--- a/_site/lectures/Lecture06/Lecture06.pptx
+++ b/_site/lectures/Lecture06/Lecture06.pptx
@@ -23,6 +23,7 @@
     <p:sldId id="271" r:id="rId17"/>
     <p:sldId id="272" r:id="rId18"/>
     <p:sldId id="273" r:id="rId19"/>
+    <p:sldId id="274" r:id="rId20"/>
   </p:sldIdLst>
   <p:sldSz cx="12192000" cy="6858000"/>
   <p:notesSz cx="6858000" cy="9144000"/>
@@ -4979,7 +4980,7 @@
             </a:pPr>
             <a:r>
               <a:rPr/>
-              <a:t>11/14/22</a:t>
+              <a:t>Invalid Date</a:t>
             </a:r>
           </a:p>
         </p:txBody>
@@ -4990,6 +4991,69 @@
 </file>
 
 <file path=ppt/slides/slide10.xml><?xml version="1.0" encoding="utf-8"?>
+<p:sld xmlns:a="http://schemas.openxmlformats.org/drawingml/2006/main" xmlns:r="http://schemas.openxmlformats.org/officeDocument/2006/relationships" xmlns:p="http://schemas.openxmlformats.org/presentationml/2006/main">
+  <p:cSld>
+    <p:spTree>
+      <p:nvGrpSpPr>
+        <p:cNvPr id="1" name=""/>
+        <p:cNvGrpSpPr/>
+        <p:nvPr/>
+      </p:nvGrpSpPr>
+      <p:grpSpPr>
+        <a:xfrm>
+          <a:off x="0" y="0"/>
+          <a:ext cx="0" cy="0"/>
+          <a:chOff x="0" y="0"/>
+          <a:chExt cx="0" cy="0"/>
+        </a:xfrm>
+      </p:grpSpPr>
+      <p:sp>
+        <p:nvSpPr>
+          <p:cNvPr id="2" name="Title 1">
+            <a:extLst>
+              <a:ext uri="{FF2B5EF4-FFF2-40B4-BE49-F238E27FC236}">
+                <a16:creationId xmlns:a16="http://schemas.microsoft.com/office/drawing/2014/main" id="{FF6A6CB2-D1B6-B94A-84C1-83C65423C650}"/>
+              </a:ext>
+            </a:extLst>
+          </p:cNvPr>
+          <p:cNvSpPr>
+            <a:spLocks noGrp="1"/>
+          </p:cNvSpPr>
+          <p:nvPr>
+            <p:ph type="title"/>
+          </p:nvPr>
+        </p:nvSpPr>
+        <p:spPr>
+          <a:xfrm>
+            <a:off x="831851" y="1709742"/>
+            <a:ext cx="10515600" cy="2852737"/>
+          </a:xfrm>
+          <a:prstGeom prst="rect">
+            <a:avLst/>
+          </a:prstGeom>
+        </p:spPr>
+        <p:txBody>
+          <a:bodyPr/>
+          <a:lstStyle/>
+          <a:p>
+            <a:pPr lvl="0" indent="0" marL="0">
+              <a:buNone/>
+            </a:pPr>
+            <a:r>
+              <a:rPr>
+                <a:hlinkClick r:id="rId2"/>
+              </a:rPr>
+              <a:t>learnstatswithjamovi.com</a:t>
+            </a:r>
+          </a:p>
+        </p:txBody>
+      </p:sp>
+    </p:spTree>
+  </p:cSld>
+</p:sld>
+</file>
+
+<file path=ppt/slides/slide11.xml><?xml version="1.0" encoding="utf-8"?>
 <p:sld xmlns:a="http://schemas.openxmlformats.org/drawingml/2006/main" xmlns:r="http://schemas.openxmlformats.org/officeDocument/2006/relationships" xmlns:p="http://schemas.openxmlformats.org/presentationml/2006/main">
   <p:cSld>
     <p:spTree>
@@ -5041,166 +5105,6 @@
 </p:sld>
 </file>
 
-<file path=ppt/slides/slide11.xml><?xml version="1.0" encoding="utf-8"?>
-<p:sld xmlns:a="http://schemas.openxmlformats.org/drawingml/2006/main" xmlns:r="http://schemas.openxmlformats.org/officeDocument/2006/relationships" xmlns:p="http://schemas.openxmlformats.org/presentationml/2006/main">
-  <p:cSld>
-    <p:spTree>
-      <p:nvGrpSpPr>
-        <p:cNvPr id="1" name=""/>
-        <p:cNvGrpSpPr/>
-        <p:nvPr/>
-      </p:nvGrpSpPr>
-      <p:grpSpPr>
-        <a:xfrm>
-          <a:off x="0" y="0"/>
-          <a:ext cx="0" cy="0"/>
-          <a:chOff x="0" y="0"/>
-          <a:chExt cx="0" cy="0"/>
-        </a:xfrm>
-      </p:grpSpPr>
-      <p:sp>
-        <p:nvSpPr>
-          <p:cNvPr id="2" name="Title 1">
-            <a:extLst>
-              <a:ext uri="{FF2B5EF4-FFF2-40B4-BE49-F238E27FC236}">
-                <a16:creationId xmlns:a16="http://schemas.microsoft.com/office/drawing/2014/main" id="{DD9B8E45-0772-954C-8D4B-6E6808DFEDED}"/>
-              </a:ext>
-            </a:extLst>
-          </p:cNvPr>
-          <p:cNvSpPr>
-            <a:spLocks noGrp="1"/>
-          </p:cNvSpPr>
-          <p:nvPr>
-            <p:ph type="title"/>
-          </p:nvPr>
-        </p:nvSpPr>
-        <p:spPr>
-          <a:xfrm>
-            <a:off x="838200" y="365129"/>
-            <a:ext cx="10002520" cy="1325563"/>
-          </a:xfrm>
-          <a:prstGeom prst="rect">
-            <a:avLst/>
-          </a:prstGeom>
-        </p:spPr>
-        <p:txBody>
-          <a:bodyPr/>
-          <a:lstStyle/>
-          <a:p>
-            <a:pPr lvl="0" indent="0" marL="0">
-              <a:buNone/>
-            </a:pPr>
-            <a:r>
-              <a:rPr/>
-              <a:t>Dani’s example:</a:t>
-            </a:r>
-          </a:p>
-        </p:txBody>
-      </p:sp>
-      <p:sp>
-        <p:nvSpPr>
-          <p:cNvPr id="3" name="Content Placeholder 2">
-            <a:extLst>
-              <a:ext uri="{FF2B5EF4-FFF2-40B4-BE49-F238E27FC236}">
-                <a16:creationId xmlns:a16="http://schemas.microsoft.com/office/drawing/2014/main" id="{A4EB24F9-04F1-C843-9D71-56C5C024552B}"/>
-              </a:ext>
-            </a:extLst>
-          </p:cNvPr>
-          <p:cNvSpPr>
-            <a:spLocks noGrp="1"/>
-          </p:cNvSpPr>
-          <p:nvPr>
-            <p:ph idx="1"/>
-          </p:nvPr>
-        </p:nvSpPr>
-        <p:spPr/>
-        <p:txBody>
-          <a:bodyPr/>
-          <a:lstStyle/>
-          <a:p>
-            <a:pPr lvl="0" indent="0" marL="0">
-              <a:buNone/>
-            </a:pPr>
-            <a:r>
-              <a:rPr/>
-              <a:t>• My </a:t>
-            </a:r>
-            <a:r>
-              <a:rPr u="sng"/>
-              <a:t>age</a:t>
-            </a:r>
-            <a:r>
-              <a:rPr/>
-              <a:t> is 33 years.</a:t>
-            </a:r>
-          </a:p>
-          <a:p>
-            <a:pPr lvl="0" indent="0" marL="0">
-              <a:buNone/>
-            </a:pPr>
-            <a:r>
-              <a:rPr/>
-              <a:t>• I do not like </a:t>
-            </a:r>
-            <a:r>
-              <a:rPr u="sng"/>
-              <a:t>anchovies</a:t>
-            </a:r>
-            <a:r>
-              <a:rPr/>
-              <a:t>.</a:t>
-            </a:r>
-          </a:p>
-          <a:p>
-            <a:pPr lvl="0" indent="0" marL="0">
-              <a:buNone/>
-            </a:pPr>
-            <a:r>
-              <a:rPr/>
-              <a:t>• My </a:t>
-            </a:r>
-            <a:r>
-              <a:rPr u="sng"/>
-              <a:t>chromosomal gender</a:t>
-            </a:r>
-            <a:r>
-              <a:rPr/>
-              <a:t> is male.</a:t>
-            </a:r>
-          </a:p>
-          <a:p>
-            <a:pPr lvl="0" indent="0" marL="0">
-              <a:buNone/>
-            </a:pPr>
-            <a:r>
-              <a:rPr/>
-              <a:t>• My </a:t>
-            </a:r>
-            <a:r>
-              <a:rPr u="sng"/>
-              <a:t>self-identified gender</a:t>
-            </a:r>
-            <a:r>
-              <a:rPr/>
-              <a:t> is male*</a:t>
-            </a:r>
-          </a:p>
-          <a:p>
-            <a:pPr lvl="0" indent="0" marL="0">
-              <a:buNone/>
-            </a:pPr>
-            <a:r>
-              <a:rPr/>
-              <a:t>*see footnote 2, page 14 Learning Statistics with Jamovi</a:t>
-            </a:r>
-          </a:p>
-        </p:txBody>
-      </p:sp>
-    </p:spTree>
-  </p:cSld>
-</p:sld>
-</file>
-
 <file path=ppt/slides/slide12.xml><?xml version="1.0" encoding="utf-8"?>
 <p:sld xmlns:a="http://schemas.openxmlformats.org/drawingml/2006/main" xmlns:r="http://schemas.openxmlformats.org/officeDocument/2006/relationships" xmlns:p="http://schemas.openxmlformats.org/presentationml/2006/main">
   <p:cSld>
@@ -5252,7 +5156,7 @@
             </a:pPr>
             <a:r>
               <a:rPr/>
-              <a:t>Median Splits</a:t>
+              <a:t>Dani’s example:</a:t>
             </a:r>
           </a:p>
         </p:txBody>
@@ -5278,39 +5182,71 @@
           <a:bodyPr/>
           <a:lstStyle/>
           <a:p>
-            <a:pPr lvl="0" indent="0" marL="1270000">
+            <a:pPr lvl="0" indent="0" marL="0">
               <a:buNone/>
             </a:pPr>
             <a:r>
-              <a:rPr sz="2000" b="1"/>
-              <a:t>Dangerzone!</a:t>
-            </a:r>
-          </a:p>
-          <a:p>
-            <a:pPr lvl="0" indent="0" marL="1270000">
+              <a:rPr/>
+              <a:t>• My </a:t>
+            </a:r>
+            <a:r>
+              <a:rPr u="sng"/>
+              <a:t>age</a:t>
+            </a:r>
+            <a:r>
+              <a:rPr/>
+              <a:t> is 33 years.</a:t>
+            </a:r>
+          </a:p>
+          <a:p>
+            <a:pPr lvl="0" indent="0" marL="0">
               <a:buNone/>
             </a:pPr>
             <a:r>
-              <a:rPr sz="2000"/>
-              <a:t>We often suggest a median split to dichotomise a continuous variable, e.g. for the purposes of creating a 2 level IV.</a:t>
-            </a:r>
-          </a:p>
-          <a:p>
-            <a:pPr lvl="0" indent="0" marL="1270000">
+              <a:rPr/>
+              <a:t>• I do not like </a:t>
+            </a:r>
+            <a:r>
+              <a:rPr u="sng"/>
+              <a:t>anchovies</a:t>
+            </a:r>
+            <a:r>
+              <a:rPr/>
+              <a:t>.</a:t>
+            </a:r>
+          </a:p>
+          <a:p>
+            <a:pPr lvl="0" indent="0" marL="0">
               <a:buNone/>
             </a:pPr>
             <a:r>
-              <a:rPr sz="2000"/>
-              <a:t>It’s a useful exercise in calculating a ‘computed variable’ in SPSS or Jamovi</a:t>
-            </a:r>
-          </a:p>
-          <a:p>
-            <a:pPr lvl="0" indent="0" marL="1270000">
+              <a:rPr/>
+              <a:t>• My </a:t>
+            </a:r>
+            <a:r>
+              <a:rPr u="sng"/>
+              <a:t>chromosomal gender</a:t>
+            </a:r>
+            <a:r>
+              <a:rPr/>
+              <a:t> is male.</a:t>
+            </a:r>
+          </a:p>
+          <a:p>
+            <a:pPr lvl="0" indent="0" marL="0">
               <a:buNone/>
             </a:pPr>
             <a:r>
-              <a:rPr sz="2000"/>
-              <a:t>It</a:t>
+              <a:rPr/>
+              <a:t>• My </a:t>
+            </a:r>
+            <a:r>
+              <a:rPr u="sng"/>
+              <a:t>self-identified gender</a:t>
+            </a:r>
+            <a:r>
+              <a:rPr/>
+              <a:t> is male*</a:t>
             </a:r>
           </a:p>
           <a:p>
@@ -5319,7 +5255,7 @@
             </a:pPr>
             <a:r>
               <a:rPr/>
-              <a:t>It is a key learning outcome that you are able to perform a standardised set of analysis, specifically, the 2x2 ANOVA with any necessary assumption checks and post-hocs + plots</a:t>
+              <a:t>*see footnote 2, page 14 Learning Statistics with Jamovi</a:t>
             </a:r>
           </a:p>
         </p:txBody>
@@ -5330,6 +5266,134 @@
 </file>
 
 <file path=ppt/slides/slide13.xml><?xml version="1.0" encoding="utf-8"?>
+<p:sld xmlns:a="http://schemas.openxmlformats.org/drawingml/2006/main" xmlns:r="http://schemas.openxmlformats.org/officeDocument/2006/relationships" xmlns:p="http://schemas.openxmlformats.org/presentationml/2006/main">
+  <p:cSld>
+    <p:spTree>
+      <p:nvGrpSpPr>
+        <p:cNvPr id="1" name=""/>
+        <p:cNvGrpSpPr/>
+        <p:nvPr/>
+      </p:nvGrpSpPr>
+      <p:grpSpPr>
+        <a:xfrm>
+          <a:off x="0" y="0"/>
+          <a:ext cx="0" cy="0"/>
+          <a:chOff x="0" y="0"/>
+          <a:chExt cx="0" cy="0"/>
+        </a:xfrm>
+      </p:grpSpPr>
+      <p:sp>
+        <p:nvSpPr>
+          <p:cNvPr id="2" name="Title 1">
+            <a:extLst>
+              <a:ext uri="{FF2B5EF4-FFF2-40B4-BE49-F238E27FC236}">
+                <a16:creationId xmlns:a16="http://schemas.microsoft.com/office/drawing/2014/main" id="{DD9B8E45-0772-954C-8D4B-6E6808DFEDED}"/>
+              </a:ext>
+            </a:extLst>
+          </p:cNvPr>
+          <p:cNvSpPr>
+            <a:spLocks noGrp="1"/>
+          </p:cNvSpPr>
+          <p:nvPr>
+            <p:ph type="title"/>
+          </p:nvPr>
+        </p:nvSpPr>
+        <p:spPr>
+          <a:xfrm>
+            <a:off x="838200" y="365129"/>
+            <a:ext cx="10002520" cy="1325563"/>
+          </a:xfrm>
+          <a:prstGeom prst="rect">
+            <a:avLst/>
+          </a:prstGeom>
+        </p:spPr>
+        <p:txBody>
+          <a:bodyPr/>
+          <a:lstStyle/>
+          <a:p>
+            <a:pPr lvl="0" indent="0" marL="0">
+              <a:buNone/>
+            </a:pPr>
+            <a:r>
+              <a:rPr/>
+              <a:t>Median Splits</a:t>
+            </a:r>
+          </a:p>
+        </p:txBody>
+      </p:sp>
+      <p:sp>
+        <p:nvSpPr>
+          <p:cNvPr id="3" name="Content Placeholder 2">
+            <a:extLst>
+              <a:ext uri="{FF2B5EF4-FFF2-40B4-BE49-F238E27FC236}">
+                <a16:creationId xmlns:a16="http://schemas.microsoft.com/office/drawing/2014/main" id="{A4EB24F9-04F1-C843-9D71-56C5C024552B}"/>
+              </a:ext>
+            </a:extLst>
+          </p:cNvPr>
+          <p:cNvSpPr>
+            <a:spLocks noGrp="1"/>
+          </p:cNvSpPr>
+          <p:nvPr>
+            <p:ph idx="1"/>
+          </p:nvPr>
+        </p:nvSpPr>
+        <p:spPr/>
+        <p:txBody>
+          <a:bodyPr/>
+          <a:lstStyle/>
+          <a:p>
+            <a:pPr lvl="0" indent="0" marL="1270000">
+              <a:buNone/>
+            </a:pPr>
+            <a:r>
+              <a:rPr sz="2000" b="1"/>
+              <a:t>Dangerzone!</a:t>
+            </a:r>
+          </a:p>
+          <a:p>
+            <a:pPr lvl="0" indent="0" marL="1270000">
+              <a:buNone/>
+            </a:pPr>
+            <a:r>
+              <a:rPr sz="2000"/>
+              <a:t>We often suggest a median split to dichotomise a continuous variable, e.g. for the purposes of creating a 2 level IV.</a:t>
+            </a:r>
+          </a:p>
+          <a:p>
+            <a:pPr lvl="0" indent="0" marL="1270000">
+              <a:buNone/>
+            </a:pPr>
+            <a:r>
+              <a:rPr sz="2000"/>
+              <a:t>It’s a useful exercise in calculating a ‘computed variable’ in SPSS or Jamovi</a:t>
+            </a:r>
+          </a:p>
+          <a:p>
+            <a:pPr lvl="0" indent="0" marL="1270000">
+              <a:buNone/>
+            </a:pPr>
+            <a:r>
+              <a:rPr sz="2000"/>
+              <a:t>It</a:t>
+            </a:r>
+          </a:p>
+          <a:p>
+            <a:pPr lvl="0" indent="0" marL="0">
+              <a:buNone/>
+            </a:pPr>
+            <a:r>
+              <a:rPr/>
+              <a:t>It is a key learning outcome that you are able to perform a standardised set of analysis, specifically, the 2x2 ANOVA with any necessary assumption checks and post-hocs + plots</a:t>
+            </a:r>
+          </a:p>
+        </p:txBody>
+      </p:sp>
+    </p:spTree>
+  </p:cSld>
+</p:sld>
+</file>
+
+<file path=ppt/slides/slide14.xml><?xml version="1.0" encoding="utf-8"?>
 <p:sld xmlns:a="http://schemas.openxmlformats.org/drawingml/2006/main" xmlns:r="http://schemas.openxmlformats.org/officeDocument/2006/relationships" xmlns:p="http://schemas.openxmlformats.org/presentationml/2006/main">
   <p:cSld>
     <p:spTree>
@@ -5420,28 +5484,6 @@
 </p:sld>
 </file>
 
-<file path=ppt/slides/slide14.xml><?xml version="1.0" encoding="utf-8"?>
-<p:sld xmlns:a="http://schemas.openxmlformats.org/drawingml/2006/main" xmlns:r="http://schemas.openxmlformats.org/officeDocument/2006/relationships" xmlns:p="http://schemas.openxmlformats.org/presentationml/2006/main">
-  <p:cSld>
-    <p:spTree>
-      <p:nvGrpSpPr>
-        <p:cNvPr id="1" name=""/>
-        <p:cNvGrpSpPr/>
-        <p:nvPr/>
-      </p:nvGrpSpPr>
-      <p:grpSpPr>
-        <a:xfrm>
-          <a:off x="0" y="0"/>
-          <a:ext cx="0" cy="0"/>
-          <a:chOff x="0" y="0"/>
-          <a:chExt cx="0" cy="0"/>
-        </a:xfrm>
-      </p:grpSpPr>
-    </p:spTree>
-  </p:cSld>
-</p:sld>
-</file>
-
 <file path=ppt/slides/slide15.xml><?xml version="1.0" encoding="utf-8"?>
 <p:sld xmlns:a="http://schemas.openxmlformats.org/drawingml/2006/main" xmlns:r="http://schemas.openxmlformats.org/officeDocument/2006/relationships" xmlns:p="http://schemas.openxmlformats.org/presentationml/2006/main">
   <p:cSld>
@@ -5459,97 +5501,6 @@
           <a:chExt cx="0" cy="0"/>
         </a:xfrm>
       </p:grpSpPr>
-      <p:sp>
-        <p:nvSpPr>
-          <p:cNvPr id="2" name="Title 1">
-            <a:extLst>
-              <a:ext uri="{FF2B5EF4-FFF2-40B4-BE49-F238E27FC236}">
-                <a16:creationId xmlns:a16="http://schemas.microsoft.com/office/drawing/2014/main" id="{DD9B8E45-0772-954C-8D4B-6E6808DFEDED}"/>
-              </a:ext>
-            </a:extLst>
-          </p:cNvPr>
-          <p:cNvSpPr>
-            <a:spLocks noGrp="1"/>
-          </p:cNvSpPr>
-          <p:nvPr>
-            <p:ph type="title"/>
-          </p:nvPr>
-        </p:nvSpPr>
-        <p:spPr>
-          <a:xfrm>
-            <a:off x="838200" y="365129"/>
-            <a:ext cx="10002520" cy="1325563"/>
-          </a:xfrm>
-          <a:prstGeom prst="rect">
-            <a:avLst/>
-          </a:prstGeom>
-        </p:spPr>
-        <p:txBody>
-          <a:bodyPr/>
-          <a:lstStyle/>
-          <a:p>
-            <a:pPr lvl="0" indent="0" marL="0">
-              <a:buNone/>
-            </a:pPr>
-            <a:r>
-              <a:rPr/>
-              <a:t>Summary</a:t>
-            </a:r>
-          </a:p>
-        </p:txBody>
-      </p:sp>
-      <p:sp>
-        <p:nvSpPr>
-          <p:cNvPr id="3" name="Content Placeholder 2">
-            <a:extLst>
-              <a:ext uri="{FF2B5EF4-FFF2-40B4-BE49-F238E27FC236}">
-                <a16:creationId xmlns:a16="http://schemas.microsoft.com/office/drawing/2014/main" id="{A4EB24F9-04F1-C843-9D71-56C5C024552B}"/>
-              </a:ext>
-            </a:extLst>
-          </p:cNvPr>
-          <p:cNvSpPr>
-            <a:spLocks noGrp="1"/>
-          </p:cNvSpPr>
-          <p:nvPr>
-            <p:ph idx="1"/>
-          </p:nvPr>
-        </p:nvSpPr>
-        <p:spPr/>
-        <p:txBody>
-          <a:bodyPr/>
-          <a:lstStyle/>
-          <a:p>
-            <a:pPr lvl="0" indent="0" marL="0">
-              <a:buNone/>
-            </a:pPr>
-            <a:r>
-              <a:rPr/>
-              <a:t>You should now know:</a:t>
-            </a:r>
-          </a:p>
-          <a:p>
-            <a:pPr lvl="0"/>
-            <a:r>
-              <a:rPr/>
-              <a:t>Why scientists are concerned about the reliability of psychological studies</a:t>
-            </a:r>
-          </a:p>
-          <a:p>
-            <a:pPr lvl="0"/>
-            <a:r>
-              <a:rPr/>
-              <a:t>Steps the scientific community are taking to overcome these worries</a:t>
-            </a:r>
-          </a:p>
-          <a:p>
-            <a:pPr lvl="0"/>
-            <a:r>
-              <a:rPr/>
-              <a:t>Not everyone is convinced that the ‘crisis’ is as serious as it seems, or whether these changes will help solve psychology’s problems</a:t>
-            </a:r>
-          </a:p>
-        </p:txBody>
-      </p:sp>
     </p:spTree>
   </p:cSld>
 </p:sld>
@@ -5577,7 +5528,7 @@
           <p:cNvPr id="2" name="Title 1">
             <a:extLst>
               <a:ext uri="{FF2B5EF4-FFF2-40B4-BE49-F238E27FC236}">
-                <a16:creationId xmlns:a16="http://schemas.microsoft.com/office/drawing/2014/main" id="{FF6A6CB2-D1B6-B94A-84C1-83C65423C650}"/>
+                <a16:creationId xmlns:a16="http://schemas.microsoft.com/office/drawing/2014/main" id="{DD9B8E45-0772-954C-8D4B-6E6808DFEDED}"/>
               </a:ext>
             </a:extLst>
           </p:cNvPr>
@@ -5590,8 +5541,8 @@
         </p:nvSpPr>
         <p:spPr>
           <a:xfrm>
-            <a:off x="831851" y="1709742"/>
-            <a:ext cx="10515600" cy="2852737"/>
+            <a:off x="838200" y="365129"/>
+            <a:ext cx="10002520" cy="1325563"/>
           </a:xfrm>
           <a:prstGeom prst="rect">
             <a:avLst/>
@@ -5606,7 +5557,59 @@
             </a:pPr>
             <a:r>
               <a:rPr/>
-              <a:t>Questions?</a:t>
+              <a:t>Summary</a:t>
+            </a:r>
+          </a:p>
+        </p:txBody>
+      </p:sp>
+      <p:sp>
+        <p:nvSpPr>
+          <p:cNvPr id="3" name="Content Placeholder 2">
+            <a:extLst>
+              <a:ext uri="{FF2B5EF4-FFF2-40B4-BE49-F238E27FC236}">
+                <a16:creationId xmlns:a16="http://schemas.microsoft.com/office/drawing/2014/main" id="{A4EB24F9-04F1-C843-9D71-56C5C024552B}"/>
+              </a:ext>
+            </a:extLst>
+          </p:cNvPr>
+          <p:cNvSpPr>
+            <a:spLocks noGrp="1"/>
+          </p:cNvSpPr>
+          <p:nvPr>
+            <p:ph idx="1"/>
+          </p:nvPr>
+        </p:nvSpPr>
+        <p:spPr/>
+        <p:txBody>
+          <a:bodyPr/>
+          <a:lstStyle/>
+          <a:p>
+            <a:pPr lvl="0" indent="0" marL="0">
+              <a:buNone/>
+            </a:pPr>
+            <a:r>
+              <a:rPr/>
+              <a:t>You should now know:</a:t>
+            </a:r>
+          </a:p>
+          <a:p>
+            <a:pPr lvl="0"/>
+            <a:r>
+              <a:rPr/>
+              <a:t>Why scientists are concerned about the reliability of psychological studies</a:t>
+            </a:r>
+          </a:p>
+          <a:p>
+            <a:pPr lvl="0"/>
+            <a:r>
+              <a:rPr/>
+              <a:t>Steps the scientific community are taking to overcome these worries</a:t>
+            </a:r>
+          </a:p>
+          <a:p>
+            <a:pPr lvl="0"/>
+            <a:r>
+              <a:rPr/>
+              <a:t>Not everyone is convinced that the ‘crisis’ is as serious as it seems, or whether these changes will help solve psychology’s problems</a:t>
             </a:r>
           </a:p>
         </p:txBody>
@@ -5638,7 +5641,7 @@
           <p:cNvPr id="2" name="Title 1">
             <a:extLst>
               <a:ext uri="{FF2B5EF4-FFF2-40B4-BE49-F238E27FC236}">
-                <a16:creationId xmlns:a16="http://schemas.microsoft.com/office/drawing/2014/main" id="{DD9B8E45-0772-954C-8D4B-6E6808DFEDED}"/>
+                <a16:creationId xmlns:a16="http://schemas.microsoft.com/office/drawing/2014/main" id="{FF6A6CB2-D1B6-B94A-84C1-83C65423C650}"/>
               </a:ext>
             </a:extLst>
           </p:cNvPr>
@@ -5651,8 +5654,8 @@
         </p:nvSpPr>
         <p:spPr>
           <a:xfrm>
-            <a:off x="838200" y="365129"/>
-            <a:ext cx="10002520" cy="1325563"/>
+            <a:off x="831851" y="1709742"/>
+            <a:ext cx="10515600" cy="2852737"/>
           </a:xfrm>
           <a:prstGeom prst="rect">
             <a:avLst/>
@@ -5667,47 +5670,7 @@
             </a:pPr>
             <a:r>
               <a:rPr/>
-              <a:t>Lab activities</a:t>
-            </a:r>
-          </a:p>
-        </p:txBody>
-      </p:sp>
-      <p:sp>
-        <p:nvSpPr>
-          <p:cNvPr id="3" name="Content Placeholder 2">
-            <a:extLst>
-              <a:ext uri="{FF2B5EF4-FFF2-40B4-BE49-F238E27FC236}">
-                <a16:creationId xmlns:a16="http://schemas.microsoft.com/office/drawing/2014/main" id="{A4EB24F9-04F1-C843-9D71-56C5C024552B}"/>
-              </a:ext>
-            </a:extLst>
-          </p:cNvPr>
-          <p:cNvSpPr>
-            <a:spLocks noGrp="1"/>
-          </p:cNvSpPr>
-          <p:nvPr>
-            <p:ph idx="1"/>
-          </p:nvPr>
-        </p:nvSpPr>
-        <p:spPr/>
-        <p:txBody>
-          <a:bodyPr/>
-          <a:lstStyle/>
-          <a:p>
-            <a:pPr lvl="0" indent="0" marL="0">
-              <a:buNone/>
-            </a:pPr>
-            <a:r>
-              <a:rPr/>
-              <a:t>Qualtrics (99% of you will use this!)</a:t>
-            </a:r>
-          </a:p>
-          <a:p>
-            <a:pPr lvl="0" indent="0" marL="0">
-              <a:buNone/>
-            </a:pPr>
-            <a:r>
-              <a:rPr/>
-              <a:t>10% of you will apply for the wrong type of account and be stuck for 2 weeks</a:t>
+              <a:t>Questions?</a:t>
             </a:r>
           </a:p>
         </p:txBody>
@@ -5768,6 +5731,107 @@
             </a:pPr>
             <a:r>
               <a:rPr/>
+              <a:t>Lab activities</a:t>
+            </a:r>
+          </a:p>
+        </p:txBody>
+      </p:sp>
+      <p:sp>
+        <p:nvSpPr>
+          <p:cNvPr id="3" name="Content Placeholder 2">
+            <a:extLst>
+              <a:ext uri="{FF2B5EF4-FFF2-40B4-BE49-F238E27FC236}">
+                <a16:creationId xmlns:a16="http://schemas.microsoft.com/office/drawing/2014/main" id="{A4EB24F9-04F1-C843-9D71-56C5C024552B}"/>
+              </a:ext>
+            </a:extLst>
+          </p:cNvPr>
+          <p:cNvSpPr>
+            <a:spLocks noGrp="1"/>
+          </p:cNvSpPr>
+          <p:nvPr>
+            <p:ph idx="1"/>
+          </p:nvPr>
+        </p:nvSpPr>
+        <p:spPr/>
+        <p:txBody>
+          <a:bodyPr/>
+          <a:lstStyle/>
+          <a:p>
+            <a:pPr lvl="0" indent="0" marL="0">
+              <a:buNone/>
+            </a:pPr>
+            <a:r>
+              <a:rPr/>
+              <a:t>Qualtrics (99% of you will use this!)</a:t>
+            </a:r>
+          </a:p>
+          <a:p>
+            <a:pPr lvl="0" indent="0" marL="0">
+              <a:buNone/>
+            </a:pPr>
+            <a:r>
+              <a:rPr/>
+              <a:t>10% of you will apply for the wrong type of account and be stuck for 2 weeks</a:t>
+            </a:r>
+          </a:p>
+        </p:txBody>
+      </p:sp>
+    </p:spTree>
+  </p:cSld>
+</p:sld>
+</file>
+
+<file path=ppt/slides/slide19.xml><?xml version="1.0" encoding="utf-8"?>
+<p:sld xmlns:a="http://schemas.openxmlformats.org/drawingml/2006/main" xmlns:r="http://schemas.openxmlformats.org/officeDocument/2006/relationships" xmlns:p="http://schemas.openxmlformats.org/presentationml/2006/main">
+  <p:cSld>
+    <p:spTree>
+      <p:nvGrpSpPr>
+        <p:cNvPr id="1" name=""/>
+        <p:cNvGrpSpPr/>
+        <p:nvPr/>
+      </p:nvGrpSpPr>
+      <p:grpSpPr>
+        <a:xfrm>
+          <a:off x="0" y="0"/>
+          <a:ext cx="0" cy="0"/>
+          <a:chOff x="0" y="0"/>
+          <a:chExt cx="0" cy="0"/>
+        </a:xfrm>
+      </p:grpSpPr>
+      <p:sp>
+        <p:nvSpPr>
+          <p:cNvPr id="2" name="Title 1">
+            <a:extLst>
+              <a:ext uri="{FF2B5EF4-FFF2-40B4-BE49-F238E27FC236}">
+                <a16:creationId xmlns:a16="http://schemas.microsoft.com/office/drawing/2014/main" id="{DD9B8E45-0772-954C-8D4B-6E6808DFEDED}"/>
+              </a:ext>
+            </a:extLst>
+          </p:cNvPr>
+          <p:cNvSpPr>
+            <a:spLocks noGrp="1"/>
+          </p:cNvSpPr>
+          <p:nvPr>
+            <p:ph type="title"/>
+          </p:nvPr>
+        </p:nvSpPr>
+        <p:spPr>
+          <a:xfrm>
+            <a:off x="838200" y="365129"/>
+            <a:ext cx="10002520" cy="1325563"/>
+          </a:xfrm>
+          <a:prstGeom prst="rect">
+            <a:avLst/>
+          </a:prstGeom>
+        </p:spPr>
+        <p:txBody>
+          <a:bodyPr/>
+          <a:lstStyle/>
+          <a:p>
+            <a:pPr lvl="0" indent="0" marL="0">
+              <a:buNone/>
+            </a:pPr>
+            <a:r>
+              <a:rPr/>
               <a:t>References</a:t>
             </a:r>
           </a:p>
@@ -5795,157 +5859,36 @@
           <a:chExt cx="0" cy="0"/>
         </a:xfrm>
       </p:grpSpPr>
-      <p:sp>
-        <p:nvSpPr>
-          <p:cNvPr id="2" name="Title 1">
-            <a:extLst>
-              <a:ext uri="{FF2B5EF4-FFF2-40B4-BE49-F238E27FC236}">
-                <a16:creationId xmlns:a16="http://schemas.microsoft.com/office/drawing/2014/main" id="{DD9B8E45-0772-954C-8D4B-6E6808DFEDED}"/>
-              </a:ext>
-            </a:extLst>
-          </p:cNvPr>
-          <p:cNvSpPr>
-            <a:spLocks noGrp="1"/>
-          </p:cNvSpPr>
-          <p:nvPr>
-            <p:ph type="title"/>
-          </p:nvPr>
-        </p:nvSpPr>
-        <p:spPr>
+      <p:pic>
+        <p:nvPicPr>
+          <p:cNvPr descr="images/paste-D9231378.png" id="0" name="Picture 1"/>
+          <p:cNvPicPr>
+            <a:picLocks noGrp="1" noChangeAspect="1"/>
+          </p:cNvPicPr>
+          <p:nvPr/>
+        </p:nvPicPr>
+        <p:blipFill>
+          <a:blip r:embed="rId2"/>
+          <a:stretch>
+            <a:fillRect/>
+          </a:stretch>
+        </p:blipFill>
+        <p:spPr bwMode="auto">
           <a:xfrm>
-            <a:off x="838200" y="365129"/>
-            <a:ext cx="10002520" cy="1325563"/>
+            <a:off x="4025900" y="1816100"/>
+            <a:ext cx="4140200" cy="4343400"/>
           </a:xfrm>
           <a:prstGeom prst="rect">
             <a:avLst/>
           </a:prstGeom>
+          <a:noFill/>
+          <a:ln w="9525">
+            <a:noFill/>
+            <a:headEnd/>
+            <a:tailEnd/>
+          </a:ln>
         </p:spPr>
-        <p:txBody>
-          <a:bodyPr/>
-          <a:lstStyle/>
-          <a:p>
-            <a:pPr lvl="0" indent="0" marL="0">
-              <a:buNone/>
-            </a:pPr>
-            <a:r>
-              <a:rPr/>
-              <a:t>Key topics today</a:t>
-            </a:r>
-          </a:p>
-        </p:txBody>
-      </p:sp>
-      <p:sp>
-        <p:nvSpPr>
-          <p:cNvPr id="3" name="Content Placeholder 2">
-            <a:extLst>
-              <a:ext uri="{FF2B5EF4-FFF2-40B4-BE49-F238E27FC236}">
-                <a16:creationId xmlns:a16="http://schemas.microsoft.com/office/drawing/2014/main" id="{A4EB24F9-04F1-C843-9D71-56C5C024552B}"/>
-              </a:ext>
-            </a:extLst>
-          </p:cNvPr>
-          <p:cNvSpPr>
-            <a:spLocks noGrp="1"/>
-          </p:cNvSpPr>
-          <p:nvPr>
-            <p:ph idx="1"/>
-          </p:nvPr>
-        </p:nvSpPr>
-        <p:spPr/>
-        <p:txBody>
-          <a:bodyPr/>
-          <a:lstStyle/>
-          <a:p>
-            <a:pPr lvl="0" indent="0" marL="0">
-              <a:buNone/>
-            </a:pPr>
-            <a:r>
-              <a:rPr/>
-              <a:t>The week ahead (week 6)</a:t>
-            </a:r>
-          </a:p>
-          <a:p>
-            <a:pPr lvl="0"/>
-            <a:r>
-              <a:rPr/>
-              <a:t>Personality &amp; Individual Differences Essay Tutorial (Submission Fri, 25th Nov)</a:t>
-            </a:r>
-          </a:p>
-          <a:p>
-            <a:pPr lvl="1"/>
-            <a:r>
-              <a:rPr/>
-              <a:t>How and why does </a:t>
-            </a:r>
-            <a:r>
-              <a:rPr u="sng"/>
-              <a:t>intelligence</a:t>
-            </a:r>
-            <a:r>
-              <a:rPr/>
-              <a:t> predict </a:t>
-            </a:r>
-            <a:r>
-              <a:rPr u="sng"/>
-              <a:t>important life outcomes</a:t>
-            </a:r>
-            <a:r>
-              <a:rPr/>
-              <a:t>?</a:t>
-            </a:r>
-          </a:p>
-          <a:p>
-            <a:pPr lvl="0"/>
-            <a:r>
-              <a:rPr/>
-              <a:t>RASA and EC deadline for Critical Proposal (Fri, 18th Nov)</a:t>
-            </a:r>
-          </a:p>
-          <a:p>
-            <a:pPr lvl="0"/>
-            <a:r>
-              <a:rPr/>
-              <a:t>PsychSociety film number 2!</a:t>
-            </a:r>
-          </a:p>
-          <a:p>
-            <a:pPr lvl="1"/>
-            <a:r>
-              <a:rPr/>
-              <a:t>Tuesday (15/11/2022). You can find out more information and book </a:t>
-            </a:r>
-            <a:r>
-              <a:rPr b="1">
-                <a:hlinkClick r:id="rId2"/>
-              </a:rPr>
-              <a:t>here</a:t>
-            </a:r>
-            <a:r>
-              <a:rPr/>
-              <a:t>.</a:t>
-            </a:r>
-          </a:p>
-          <a:p>
-            <a:pPr lvl="1"/>
-            <a:r>
-              <a:rPr>
-                <a:hlinkClick r:id="rId3"/>
-              </a:rPr>
-              <a:t>Three Identical Strangers</a:t>
-            </a:r>
-            <a:r>
-              <a:rPr/>
-              <a:t>. It’s well worth a watch, especially if you are interested in ethics and genetics. </a:t>
-            </a:r>
-          </a:p>
-          <a:p>
-            <a:pPr lvl="0"/>
-            <a:r>
-              <a:rPr/>
-              <a:t>Labs - Online (and Offline) Data collection</a:t>
-            </a:r>
-          </a:p>
-        </p:txBody>
-      </p:sp>
+      </p:pic>
     </p:spTree>
   </p:cSld>
 </p:sld>
@@ -5973,7 +5916,7 @@
           <p:cNvPr id="2" name="Title 1">
             <a:extLst>
               <a:ext uri="{FF2B5EF4-FFF2-40B4-BE49-F238E27FC236}">
-                <a16:creationId xmlns:a16="http://schemas.microsoft.com/office/drawing/2014/main" id="{FF6A6CB2-D1B6-B94A-84C1-83C65423C650}"/>
+                <a16:creationId xmlns:a16="http://schemas.microsoft.com/office/drawing/2014/main" id="{DD9B8E45-0772-954C-8D4B-6E6808DFEDED}"/>
               </a:ext>
             </a:extLst>
           </p:cNvPr>
@@ -5986,8 +5929,8 @@
         </p:nvSpPr>
         <p:spPr>
           <a:xfrm>
-            <a:off x="831851" y="1709742"/>
-            <a:ext cx="10515600" cy="2852737"/>
+            <a:off x="838200" y="365129"/>
+            <a:ext cx="10002520" cy="1325563"/>
           </a:xfrm>
           <a:prstGeom prst="rect">
             <a:avLst/>
@@ -6002,7 +5945,126 @@
             </a:pPr>
             <a:r>
               <a:rPr/>
-              <a:t>Any Questions?</a:t>
+              <a:t>Key topics today</a:t>
+            </a:r>
+          </a:p>
+        </p:txBody>
+      </p:sp>
+      <p:sp>
+        <p:nvSpPr>
+          <p:cNvPr id="3" name="Content Placeholder 2">
+            <a:extLst>
+              <a:ext uri="{FF2B5EF4-FFF2-40B4-BE49-F238E27FC236}">
+                <a16:creationId xmlns:a16="http://schemas.microsoft.com/office/drawing/2014/main" id="{A4EB24F9-04F1-C843-9D71-56C5C024552B}"/>
+              </a:ext>
+            </a:extLst>
+          </p:cNvPr>
+          <p:cNvSpPr>
+            <a:spLocks noGrp="1"/>
+          </p:cNvSpPr>
+          <p:nvPr>
+            <p:ph idx="1"/>
+          </p:nvPr>
+        </p:nvSpPr>
+        <p:spPr/>
+        <p:txBody>
+          <a:bodyPr/>
+          <a:lstStyle/>
+          <a:p>
+            <a:pPr lvl="0" indent="0" marL="0">
+              <a:buNone/>
+            </a:pPr>
+            <a:r>
+              <a:rPr/>
+              <a:t>The week ahead (week 6)</a:t>
+            </a:r>
+          </a:p>
+          <a:p>
+            <a:pPr lvl="0"/>
+            <a:r>
+              <a:rPr/>
+              <a:t>Personality &amp; Individual Differences Essay Tutorial (Submission Fri, 25th Nov)</a:t>
+            </a:r>
+          </a:p>
+          <a:p>
+            <a:pPr lvl="1"/>
+            <a:r>
+              <a:rPr/>
+              <a:t>How and why does </a:t>
+            </a:r>
+            <a:r>
+              <a:rPr u="sng"/>
+              <a:t>intelligence</a:t>
+            </a:r>
+            <a:r>
+              <a:rPr/>
+              <a:t> predict </a:t>
+            </a:r>
+            <a:r>
+              <a:rPr u="sng"/>
+              <a:t>important life outcomes</a:t>
+            </a:r>
+            <a:r>
+              <a:rPr/>
+              <a:t>?</a:t>
+            </a:r>
+          </a:p>
+          <a:p>
+            <a:pPr lvl="0"/>
+            <a:r>
+              <a:rPr/>
+              <a:t>RASA and EC deadline for Critical Proposal (Fri, 18th Nov)</a:t>
+            </a:r>
+          </a:p>
+          <a:p>
+            <a:pPr lvl="0"/>
+            <a:r>
+              <a:rPr/>
+              <a:t>PsychSociety film number 2!</a:t>
+            </a:r>
+          </a:p>
+          <a:p>
+            <a:pPr lvl="1"/>
+            <a:r>
+              <a:rPr/>
+              <a:t>Tuesday (15/11/2022). You can find out more information and book </a:t>
+            </a:r>
+            <a:r>
+              <a:rPr b="1">
+                <a:hlinkClick r:id="rId2"/>
+              </a:rPr>
+              <a:t>here</a:t>
+            </a:r>
+            <a:r>
+              <a:rPr/>
+              <a:t>.</a:t>
+            </a:r>
+          </a:p>
+          <a:p>
+            <a:pPr lvl="1"/>
+            <a:r>
+              <a:rPr>
+                <a:hlinkClick r:id="rId3"/>
+              </a:rPr>
+              <a:t>Three Identical Strangers</a:t>
+            </a:r>
+            <a:r>
+              <a:rPr/>
+              <a:t>. It’s well worth a watch, especially if you are interested in ethics and genetics. </a:t>
+            </a:r>
+          </a:p>
+          <a:p>
+            <a:pPr lvl="0"/>
+            <a:r>
+              <a:rPr/>
+              <a:t>Strike days - 24th (Thu), 25th (Fri), 30th (Wed)</a:t>
+            </a:r>
+          </a:p>
+          <a:p>
+            <a:pPr lvl="0"/>
+            <a:r>
+              <a:rPr/>
+              <a:t>Labs - Online (and Offline) Data collection</a:t>
             </a:r>
           </a:p>
         </p:txBody>
@@ -6063,7 +6125,7 @@
             </a:pPr>
             <a:r>
               <a:rPr/>
-              <a:t>‘Operationalisation’ of variables</a:t>
+              <a:t>Any Questions?</a:t>
             </a:r>
           </a:p>
         </p:txBody>
@@ -6095,7 +6157,7 @@
           <p:cNvPr id="2" name="Title 1">
             <a:extLst>
               <a:ext uri="{FF2B5EF4-FFF2-40B4-BE49-F238E27FC236}">
-                <a16:creationId xmlns:a16="http://schemas.microsoft.com/office/drawing/2014/main" id="{DD9B8E45-0772-954C-8D4B-6E6808DFEDED}"/>
+                <a16:creationId xmlns:a16="http://schemas.microsoft.com/office/drawing/2014/main" id="{FF6A6CB2-D1B6-B94A-84C1-83C65423C650}"/>
               </a:ext>
             </a:extLst>
           </p:cNvPr>
@@ -6108,8 +6170,8 @@
         </p:nvSpPr>
         <p:spPr>
           <a:xfrm>
-            <a:off x="838200" y="365129"/>
-            <a:ext cx="10002520" cy="1325563"/>
+            <a:off x="831851" y="1709742"/>
+            <a:ext cx="10515600" cy="2852737"/>
           </a:xfrm>
           <a:prstGeom prst="rect">
             <a:avLst/>
@@ -6124,52 +6186,7 @@
             </a:pPr>
             <a:r>
               <a:rPr/>
-              <a:t>Let’s think about your forthcoming Personality essay</a:t>
-            </a:r>
-          </a:p>
-        </p:txBody>
-      </p:sp>
-      <p:sp>
-        <p:nvSpPr>
-          <p:cNvPr id="3" name="Content Placeholder 2">
-            <a:extLst>
-              <a:ext uri="{FF2B5EF4-FFF2-40B4-BE49-F238E27FC236}">
-                <a16:creationId xmlns:a16="http://schemas.microsoft.com/office/drawing/2014/main" id="{A4EB24F9-04F1-C843-9D71-56C5C024552B}"/>
-              </a:ext>
-            </a:extLst>
-          </p:cNvPr>
-          <p:cNvSpPr>
-            <a:spLocks noGrp="1"/>
-          </p:cNvSpPr>
-          <p:nvPr>
-            <p:ph idx="1"/>
-          </p:nvPr>
-        </p:nvSpPr>
-        <p:spPr/>
-        <p:txBody>
-          <a:bodyPr/>
-          <a:lstStyle/>
-          <a:p>
-            <a:pPr lvl="0" indent="0" marL="0">
-              <a:buNone/>
-            </a:pPr>
-            <a:r>
-              <a:rPr/>
-              <a:t>Two key concepts you’ll be thinking about and reading around…</a:t>
-            </a:r>
-          </a:p>
-          <a:p>
-            <a:pPr lvl="0"/>
-            <a:r>
-              <a:rPr/>
-              <a:t>Intelligence</a:t>
-            </a:r>
-          </a:p>
-          <a:p>
-            <a:pPr lvl="0"/>
-            <a:r>
-              <a:rPr/>
-              <a:t>important life outcomes</a:t>
+              <a:t>‘Operationalisation’ of variables</a:t>
             </a:r>
           </a:p>
         </p:txBody>
@@ -6230,7 +6247,7 @@
             </a:pPr>
             <a:r>
               <a:rPr/>
-              <a:t>Hopefully, you will ask yourself…</a:t>
+              <a:t>Let’s think about your forthcoming Personality essay</a:t>
             </a:r>
           </a:p>
         </p:txBody>
@@ -6261,21 +6278,21 @@
             </a:pPr>
             <a:r>
               <a:rPr/>
-              <a:t>How are these important and very tricky concepts</a:t>
+              <a:t>Two key concepts you’ll be thinking about and reading around…</a:t>
             </a:r>
           </a:p>
           <a:p>
             <a:pPr lvl="0"/>
             <a:r>
               <a:rPr/>
-              <a:t>Defined</a:t>
+              <a:t>Intelligence</a:t>
             </a:r>
           </a:p>
           <a:p>
             <a:pPr lvl="0"/>
             <a:r>
               <a:rPr/>
-              <a:t>Measured</a:t>
+              <a:t>important life outcomes</a:t>
             </a:r>
           </a:p>
         </p:txBody>
@@ -6336,7 +6353,7 @@
             </a:pPr>
             <a:r>
               <a:rPr/>
-              <a:t>Of great importance that you reflect on this for your MD too</a:t>
+              <a:t>Hopefully, you will ask yourself…</a:t>
             </a:r>
           </a:p>
         </p:txBody>
@@ -6367,60 +6384,21 @@
             </a:pPr>
             <a:r>
               <a:rPr/>
-              <a:t>How have you </a:t>
-            </a:r>
-            <a:r>
-              <a:rPr u="sng"/>
-              <a:t>defined</a:t>
-            </a:r>
+              <a:t>How are these important and very tricky concepts</a:t>
+            </a:r>
+          </a:p>
+          <a:p>
+            <a:pPr lvl="0"/>
             <a:r>
               <a:rPr/>
-              <a:t> your variables of interest?</a:t>
+              <a:t>Defined</a:t>
             </a:r>
           </a:p>
           <a:p>
             <a:pPr lvl="0"/>
             <a:r>
               <a:rPr/>
-              <a:t>IVs and DVs</a:t>
-            </a:r>
-          </a:p>
-          <a:p>
-            <a:pPr lvl="0" indent="0" marL="0">
-              <a:buNone/>
-            </a:pPr>
-            <a:r>
-              <a:rPr/>
-              <a:t>How have you </a:t>
-            </a:r>
-            <a:r>
-              <a:rPr u="sng"/>
-              <a:t>measured or categorised</a:t>
-            </a:r>
-            <a:r>
-              <a:rPr/>
-              <a:t> your variables of interest?</a:t>
-            </a:r>
-          </a:p>
-          <a:p>
-            <a:pPr lvl="0"/>
-            <a:r>
-              <a:rPr/>
-              <a:t>e.g. Social Media use</a:t>
-            </a:r>
-          </a:p>
-          <a:p>
-            <a:pPr lvl="0"/>
-            <a:r>
-              <a:rPr/>
-              <a:t>Gender</a:t>
-            </a:r>
-          </a:p>
-          <a:p>
-            <a:pPr lvl="0"/>
-            <a:r>
-              <a:rPr/>
-              <a:t>Frequency or low/high extraversion</a:t>
+              <a:t>Measured</a:t>
             </a:r>
           </a:p>
         </p:txBody>
@@ -6481,7 +6459,7 @@
             </a:pPr>
             <a:r>
               <a:rPr/>
-              <a:t>Dani Navarro</a:t>
+              <a:t>Of great importance that you reflect on this for your MD too</a:t>
             </a:r>
           </a:p>
         </p:txBody>
@@ -6512,7 +6490,60 @@
             </a:pPr>
             <a:r>
               <a:rPr/>
-              <a:t>A legend. Author of Learning Statistics with Jamovi/R</a:t>
+              <a:t>How have you </a:t>
+            </a:r>
+            <a:r>
+              <a:rPr u="sng"/>
+              <a:t>defined</a:t>
+            </a:r>
+            <a:r>
+              <a:rPr/>
+              <a:t> your variables of interest?</a:t>
+            </a:r>
+          </a:p>
+          <a:p>
+            <a:pPr lvl="0"/>
+            <a:r>
+              <a:rPr/>
+              <a:t>IVs and DVs</a:t>
+            </a:r>
+          </a:p>
+          <a:p>
+            <a:pPr lvl="0" indent="0" marL="0">
+              <a:buNone/>
+            </a:pPr>
+            <a:r>
+              <a:rPr/>
+              <a:t>How have you </a:t>
+            </a:r>
+            <a:r>
+              <a:rPr u="sng"/>
+              <a:t>measured or categorised</a:t>
+            </a:r>
+            <a:r>
+              <a:rPr/>
+              <a:t> your variables of interest?</a:t>
+            </a:r>
+          </a:p>
+          <a:p>
+            <a:pPr lvl="0"/>
+            <a:r>
+              <a:rPr/>
+              <a:t>e.g. Social Media use</a:t>
+            </a:r>
+          </a:p>
+          <a:p>
+            <a:pPr lvl="0"/>
+            <a:r>
+              <a:rPr/>
+              <a:t>Gender</a:t>
+            </a:r>
+          </a:p>
+          <a:p>
+            <a:pPr lvl="0"/>
+            <a:r>
+              <a:rPr/>
+              <a:t>Frequency or low/high extraversion</a:t>
             </a:r>
           </a:p>
         </p:txBody>
@@ -6544,7 +6575,7 @@
           <p:cNvPr id="2" name="Title 1">
             <a:extLst>
               <a:ext uri="{FF2B5EF4-FFF2-40B4-BE49-F238E27FC236}">
-                <a16:creationId xmlns:a16="http://schemas.microsoft.com/office/drawing/2014/main" id="{FF6A6CB2-D1B6-B94A-84C1-83C65423C650}"/>
+                <a16:creationId xmlns:a16="http://schemas.microsoft.com/office/drawing/2014/main" id="{DD9B8E45-0772-954C-8D4B-6E6808DFEDED}"/>
               </a:ext>
             </a:extLst>
           </p:cNvPr>
@@ -6557,8 +6588,8 @@
         </p:nvSpPr>
         <p:spPr>
           <a:xfrm>
-            <a:off x="831851" y="1709742"/>
-            <a:ext cx="10515600" cy="2852737"/>
+            <a:off x="838200" y="365129"/>
+            <a:ext cx="10002520" cy="1325563"/>
           </a:xfrm>
           <a:prstGeom prst="rect">
             <a:avLst/>
@@ -6572,10 +6603,39 @@
               <a:buNone/>
             </a:pPr>
             <a:r>
-              <a:rPr>
-                <a:hlinkClick r:id="rId2"/>
-              </a:rPr>
-              <a:t>learnstatswithjamovi.com</a:t>
+              <a:rPr/>
+              <a:t>Dani Navarro</a:t>
+            </a:r>
+          </a:p>
+        </p:txBody>
+      </p:sp>
+      <p:sp>
+        <p:nvSpPr>
+          <p:cNvPr id="3" name="Content Placeholder 2">
+            <a:extLst>
+              <a:ext uri="{FF2B5EF4-FFF2-40B4-BE49-F238E27FC236}">
+                <a16:creationId xmlns:a16="http://schemas.microsoft.com/office/drawing/2014/main" id="{A4EB24F9-04F1-C843-9D71-56C5C024552B}"/>
+              </a:ext>
+            </a:extLst>
+          </p:cNvPr>
+          <p:cNvSpPr>
+            <a:spLocks noGrp="1"/>
+          </p:cNvSpPr>
+          <p:nvPr>
+            <p:ph idx="1"/>
+          </p:nvPr>
+        </p:nvSpPr>
+        <p:spPr/>
+        <p:txBody>
+          <a:bodyPr/>
+          <a:lstStyle/>
+          <a:p>
+            <a:pPr lvl="0" indent="0" marL="0">
+              <a:buNone/>
+            </a:pPr>
+            <a:r>
+              <a:rPr/>
+              <a:t>A legend. Author of Learning Statistics with Jamovi/R</a:t>
             </a:r>
           </a:p>
         </p:txBody>

--- a/_site/lectures/Lecture06/Lecture06.pptx
+++ b/_site/lectures/Lecture06/Lecture06.pptx
@@ -24,6 +24,18 @@
     <p:sldId id="272" r:id="rId18"/>
     <p:sldId id="273" r:id="rId19"/>
     <p:sldId id="274" r:id="rId20"/>
+    <p:sldId id="275" r:id="rId21"/>
+    <p:sldId id="276" r:id="rId22"/>
+    <p:sldId id="277" r:id="rId23"/>
+    <p:sldId id="278" r:id="rId24"/>
+    <p:sldId id="279" r:id="rId25"/>
+    <p:sldId id="280" r:id="rId26"/>
+    <p:sldId id="281" r:id="rId27"/>
+    <p:sldId id="282" r:id="rId28"/>
+    <p:sldId id="283" r:id="rId29"/>
+    <p:sldId id="284" r:id="rId30"/>
+    <p:sldId id="285" r:id="rId31"/>
+    <p:sldId id="286" r:id="rId32"/>
   </p:sldIdLst>
   <p:sldSz cx="12192000" cy="6858000"/>
   <p:notesSz cx="6858000" cy="9144000"/>
@@ -4980,7 +4992,7 @@
             </a:pPr>
             <a:r>
               <a:rPr/>
-              <a:t>Invalid Date</a:t>
+              <a:t>14 November, 2022</a:t>
             </a:r>
           </a:p>
         </p:txBody>
@@ -5012,7 +5024,7 @@
           <p:cNvPr id="2" name="Title 1">
             <a:extLst>
               <a:ext uri="{FF2B5EF4-FFF2-40B4-BE49-F238E27FC236}">
-                <a16:creationId xmlns:a16="http://schemas.microsoft.com/office/drawing/2014/main" id="{FF6A6CB2-D1B6-B94A-84C1-83C65423C650}"/>
+                <a16:creationId xmlns:a16="http://schemas.microsoft.com/office/drawing/2014/main" id="{DD9B8E45-0772-954C-8D4B-6E6808DFEDED}"/>
               </a:ext>
             </a:extLst>
           </p:cNvPr>
@@ -5025,8 +5037,8 @@
         </p:nvSpPr>
         <p:spPr>
           <a:xfrm>
-            <a:off x="831851" y="1709742"/>
-            <a:ext cx="10515600" cy="2852737"/>
+            <a:off x="838200" y="365129"/>
+            <a:ext cx="10002520" cy="1325563"/>
           </a:xfrm>
           <a:prstGeom prst="rect">
             <a:avLst/>
@@ -5040,14 +5052,42 @@
               <a:buNone/>
             </a:pPr>
             <a:r>
-              <a:rPr>
-                <a:hlinkClick r:id="rId2"/>
-              </a:rPr>
-              <a:t>learnstatswithjamovi.com</a:t>
-            </a:r>
-          </a:p>
-        </p:txBody>
-      </p:sp>
+              <a:rPr/>
+              <a:t>The Student Room (answer 1)</a:t>
+            </a:r>
+          </a:p>
+        </p:txBody>
+      </p:sp>
+      <p:pic>
+        <p:nvPicPr>
+          <p:cNvPr descr="images/paste-1F4878EE.png" id="0" name="Picture 1"/>
+          <p:cNvPicPr>
+            <a:picLocks noGrp="1" noChangeAspect="1"/>
+          </p:cNvPicPr>
+          <p:nvPr/>
+        </p:nvPicPr>
+        <p:blipFill>
+          <a:blip r:embed="rId2"/>
+          <a:stretch>
+            <a:fillRect/>
+          </a:stretch>
+        </p:blipFill>
+        <p:spPr bwMode="auto">
+          <a:xfrm>
+            <a:off x="2514600" y="1816100"/>
+            <a:ext cx="7175500" cy="4343400"/>
+          </a:xfrm>
+          <a:prstGeom prst="rect">
+            <a:avLst/>
+          </a:prstGeom>
+          <a:noFill/>
+          <a:ln w="9525">
+            <a:noFill/>
+            <a:headEnd/>
+            <a:tailEnd/>
+          </a:ln>
+        </p:spPr>
+      </p:pic>
     </p:spTree>
   </p:cSld>
 </p:sld>
@@ -5070,9 +5110,48 @@
           <a:chExt cx="0" cy="0"/>
         </a:xfrm>
       </p:grpSpPr>
+      <p:sp>
+        <p:nvSpPr>
+          <p:cNvPr id="2" name="Title 1">
+            <a:extLst>
+              <a:ext uri="{FF2B5EF4-FFF2-40B4-BE49-F238E27FC236}">
+                <a16:creationId xmlns:a16="http://schemas.microsoft.com/office/drawing/2014/main" id="{DD9B8E45-0772-954C-8D4B-6E6808DFEDED}"/>
+              </a:ext>
+            </a:extLst>
+          </p:cNvPr>
+          <p:cNvSpPr>
+            <a:spLocks noGrp="1"/>
+          </p:cNvSpPr>
+          <p:nvPr>
+            <p:ph type="title"/>
+          </p:nvPr>
+        </p:nvSpPr>
+        <p:spPr>
+          <a:xfrm>
+            <a:off x="838200" y="365129"/>
+            <a:ext cx="10002520" cy="1325563"/>
+          </a:xfrm>
+          <a:prstGeom prst="rect">
+            <a:avLst/>
+          </a:prstGeom>
+        </p:spPr>
+        <p:txBody>
+          <a:bodyPr/>
+          <a:lstStyle/>
+          <a:p>
+            <a:pPr lvl="0" indent="0" marL="0">
+              <a:buNone/>
+            </a:pPr>
+            <a:r>
+              <a:rPr/>
+              <a:t>The Student Room (answer 2)</a:t>
+            </a:r>
+          </a:p>
+        </p:txBody>
+      </p:sp>
       <p:pic>
         <p:nvPicPr>
-          <p:cNvPr descr="images/paste-4A09265F.png" id="0" name="Picture 1"/>
+          <p:cNvPr descr="images/paste-776290A0.png" id="0" name="Picture 1"/>
           <p:cNvPicPr>
             <a:picLocks noGrp="1" noChangeAspect="1"/>
           </p:cNvPicPr>
@@ -5086,8 +5165,8 @@
         </p:blipFill>
         <p:spPr bwMode="auto">
           <a:xfrm>
-            <a:off x="1003300" y="1816100"/>
-            <a:ext cx="10185400" cy="4343400"/>
+            <a:off x="838200" y="2374900"/>
+            <a:ext cx="10515600" cy="3225800"/>
           </a:xfrm>
           <a:prstGeom prst="rect">
             <a:avLst/>
@@ -5156,7 +5235,7 @@
             </a:pPr>
             <a:r>
               <a:rPr/>
-              <a:t>Dani’s example:</a:t>
+              <a:t>Let’s think about your forthcoming Personality essay</a:t>
             </a:r>
           </a:p>
         </p:txBody>
@@ -5187,75 +5266,21 @@
             </a:pPr>
             <a:r>
               <a:rPr/>
-              <a:t>• My </a:t>
-            </a:r>
-            <a:r>
-              <a:rPr u="sng"/>
-              <a:t>age</a:t>
-            </a:r>
-            <a:r>
-              <a:rPr/>
-              <a:t> is 33 years.</a:t>
-            </a:r>
-          </a:p>
-          <a:p>
-            <a:pPr lvl="0" indent="0" marL="0">
-              <a:buNone/>
-            </a:pPr>
-            <a:r>
-              <a:rPr/>
-              <a:t>• I do not like </a:t>
-            </a:r>
-            <a:r>
-              <a:rPr u="sng"/>
-              <a:t>anchovies</a:t>
-            </a:r>
-            <a:r>
-              <a:rPr/>
-              <a:t>.</a:t>
-            </a:r>
-          </a:p>
-          <a:p>
-            <a:pPr lvl="0" indent="0" marL="0">
-              <a:buNone/>
-            </a:pPr>
-            <a:r>
-              <a:rPr/>
-              <a:t>• My </a:t>
-            </a:r>
-            <a:r>
-              <a:rPr u="sng"/>
-              <a:t>chromosomal gender</a:t>
-            </a:r>
-            <a:r>
-              <a:rPr/>
-              <a:t> is male.</a:t>
-            </a:r>
-          </a:p>
-          <a:p>
-            <a:pPr lvl="0" indent="0" marL="0">
-              <a:buNone/>
-            </a:pPr>
-            <a:r>
-              <a:rPr/>
-              <a:t>• My </a:t>
-            </a:r>
-            <a:r>
-              <a:rPr u="sng"/>
-              <a:t>self-identified gender</a:t>
-            </a:r>
-            <a:r>
-              <a:rPr/>
-              <a:t> is male*</a:t>
-            </a:r>
-          </a:p>
-          <a:p>
-            <a:pPr lvl="0" indent="0" marL="0">
-              <a:buNone/>
-            </a:pPr>
-            <a:r>
-              <a:rPr/>
-              <a:t>*see footnote 2, page 14 Learning Statistics with Jamovi</a:t>
+              <a:t>Two key concepts you’ll be thinking about and reading around…</a:t>
+            </a:r>
+          </a:p>
+          <a:p>
+            <a:pPr lvl="0"/>
+            <a:r>
+              <a:rPr/>
+              <a:t>Intelligence</a:t>
+            </a:r>
+          </a:p>
+          <a:p>
+            <a:pPr lvl="0"/>
+            <a:r>
+              <a:rPr/>
+              <a:t>important life outcomes</a:t>
             </a:r>
           </a:p>
         </p:txBody>
@@ -5316,7 +5341,7 @@
             </a:pPr>
             <a:r>
               <a:rPr/>
-              <a:t>Median Splits</a:t>
+              <a:t>Hopefully, you will ask yourself…</a:t>
             </a:r>
           </a:p>
         </p:txBody>
@@ -5342,48 +5367,33 @@
           <a:bodyPr/>
           <a:lstStyle/>
           <a:p>
-            <a:pPr lvl="0" indent="0" marL="1270000">
+            <a:pPr lvl="0" indent="0" marL="0">
               <a:buNone/>
             </a:pPr>
             <a:r>
-              <a:rPr sz="2000" b="1"/>
-              <a:t>Dangerzone!</a:t>
-            </a:r>
-          </a:p>
-          <a:p>
-            <a:pPr lvl="0" indent="0" marL="1270000">
-              <a:buNone/>
-            </a:pPr>
-            <a:r>
-              <a:rPr sz="2000"/>
-              <a:t>We often suggest a median split to dichotomise a continuous variable, e.g. for the purposes of creating a 2 level IV.</a:t>
-            </a:r>
-          </a:p>
-          <a:p>
-            <a:pPr lvl="0" indent="0" marL="1270000">
-              <a:buNone/>
-            </a:pPr>
-            <a:r>
-              <a:rPr sz="2000"/>
-              <a:t>It’s a useful exercise in calculating a ‘computed variable’ in SPSS or Jamovi</a:t>
-            </a:r>
-          </a:p>
-          <a:p>
-            <a:pPr lvl="0" indent="0" marL="1270000">
-              <a:buNone/>
-            </a:pPr>
-            <a:r>
-              <a:rPr sz="2000"/>
-              <a:t>It</a:t>
-            </a:r>
-          </a:p>
-          <a:p>
-            <a:pPr lvl="0" indent="0" marL="0">
-              <a:buNone/>
-            </a:pPr>
-            <a:r>
-              <a:rPr/>
-              <a:t>It is a key learning outcome that you are able to perform a standardised set of analysis, specifically, the 2x2 ANOVA with any necessary assumption checks and post-hocs + plots</a:t>
+              <a:rPr/>
+              <a:t>How are these important and very tricky concepts</a:t>
+            </a:r>
+          </a:p>
+          <a:p>
+            <a:pPr lvl="0"/>
+            <a:r>
+              <a:rPr/>
+              <a:t>Defined</a:t>
+            </a:r>
+          </a:p>
+          <a:p>
+            <a:pPr lvl="0"/>
+            <a:r>
+              <a:rPr/>
+              <a:t>Measured</a:t>
+            </a:r>
+          </a:p>
+          <a:p>
+            <a:pPr lvl="0"/>
+            <a:r>
+              <a:rPr/>
+              <a:t>And brought to life in the lab!</a:t>
             </a:r>
           </a:p>
         </p:txBody>
@@ -5444,41 +5454,95 @@
             </a:pPr>
             <a:r>
               <a:rPr/>
-              <a:t>So…</a:t>
-            </a:r>
-          </a:p>
-        </p:txBody>
-      </p:sp>
-      <p:pic>
-        <p:nvPicPr>
-          <p:cNvPr descr="images/paste-E903404B.png" id="0" name="Picture 1"/>
-          <p:cNvPicPr>
-            <a:picLocks noGrp="1" noChangeAspect="1"/>
-          </p:cNvPicPr>
-          <p:nvPr/>
-        </p:nvPicPr>
-        <p:blipFill>
-          <a:blip r:embed="rId2"/>
-          <a:stretch>
-            <a:fillRect/>
-          </a:stretch>
-        </p:blipFill>
-        <p:spPr bwMode="auto">
-          <a:xfrm>
-            <a:off x="3340100" y="1816100"/>
-            <a:ext cx="5511800" cy="4343400"/>
-          </a:xfrm>
-          <a:prstGeom prst="rect">
-            <a:avLst/>
-          </a:prstGeom>
-          <a:noFill/>
-          <a:ln w="9525">
-            <a:noFill/>
-            <a:headEnd/>
-            <a:tailEnd/>
-          </a:ln>
-        </p:spPr>
-      </p:pic>
+              <a:t>Of great importance that you reflect on this for your MD too</a:t>
+            </a:r>
+          </a:p>
+        </p:txBody>
+      </p:sp>
+      <p:sp>
+        <p:nvSpPr>
+          <p:cNvPr id="3" name="Content Placeholder 2">
+            <a:extLst>
+              <a:ext uri="{FF2B5EF4-FFF2-40B4-BE49-F238E27FC236}">
+                <a16:creationId xmlns:a16="http://schemas.microsoft.com/office/drawing/2014/main" id="{A4EB24F9-04F1-C843-9D71-56C5C024552B}"/>
+              </a:ext>
+            </a:extLst>
+          </p:cNvPr>
+          <p:cNvSpPr>
+            <a:spLocks noGrp="1"/>
+          </p:cNvSpPr>
+          <p:nvPr>
+            <p:ph idx="1"/>
+          </p:nvPr>
+        </p:nvSpPr>
+        <p:spPr/>
+        <p:txBody>
+          <a:bodyPr/>
+          <a:lstStyle/>
+          <a:p>
+            <a:pPr lvl="0" indent="0" marL="0">
+              <a:buNone/>
+            </a:pPr>
+            <a:r>
+              <a:rPr/>
+              <a:t>How have you </a:t>
+            </a:r>
+            <a:r>
+              <a:rPr u="sng"/>
+              <a:t>defined</a:t>
+            </a:r>
+            <a:r>
+              <a:rPr/>
+              <a:t> your variables of interest?</a:t>
+            </a:r>
+          </a:p>
+          <a:p>
+            <a:pPr lvl="0"/>
+            <a:r>
+              <a:rPr/>
+              <a:t>IVs and DVs</a:t>
+            </a:r>
+          </a:p>
+          <a:p>
+            <a:pPr lvl="0" indent="0" marL="0">
+              <a:buNone/>
+            </a:pPr>
+            <a:r>
+              <a:rPr/>
+              <a:t>How have you </a:t>
+            </a:r>
+            <a:r>
+              <a:rPr u="sng"/>
+              <a:t>measured or categorised</a:t>
+            </a:r>
+            <a:r>
+              <a:rPr/>
+              <a:t> your variables of interest?</a:t>
+            </a:r>
+          </a:p>
+          <a:p>
+            <a:pPr lvl="0"/>
+            <a:r>
+              <a:rPr/>
+              <a:t>e.g. Social Media use</a:t>
+            </a:r>
+          </a:p>
+          <a:p>
+            <a:pPr lvl="0"/>
+            <a:r>
+              <a:rPr/>
+              <a:t>Gender</a:t>
+            </a:r>
+          </a:p>
+          <a:p>
+            <a:pPr lvl="0"/>
+            <a:r>
+              <a:rPr/>
+              <a:t>Frequency or low/high extraversion</a:t>
+            </a:r>
+          </a:p>
+        </p:txBody>
+      </p:sp>
     </p:spTree>
   </p:cSld>
 </p:sld>
@@ -5501,6 +5565,112 @@
           <a:chExt cx="0" cy="0"/>
         </a:xfrm>
       </p:grpSpPr>
+      <p:sp>
+        <p:nvSpPr>
+          <p:cNvPr id="2" name="Title 1">
+            <a:extLst>
+              <a:ext uri="{FF2B5EF4-FFF2-40B4-BE49-F238E27FC236}">
+                <a16:creationId xmlns:a16="http://schemas.microsoft.com/office/drawing/2014/main" id="{DD9B8E45-0772-954C-8D4B-6E6808DFEDED}"/>
+              </a:ext>
+            </a:extLst>
+          </p:cNvPr>
+          <p:cNvSpPr>
+            <a:spLocks noGrp="1"/>
+          </p:cNvSpPr>
+          <p:nvPr>
+            <p:ph type="title"/>
+          </p:nvPr>
+        </p:nvSpPr>
+        <p:spPr>
+          <a:xfrm>
+            <a:off x="838200" y="365129"/>
+            <a:ext cx="10002520" cy="1325563"/>
+          </a:xfrm>
+          <a:prstGeom prst="rect">
+            <a:avLst/>
+          </a:prstGeom>
+        </p:spPr>
+        <p:txBody>
+          <a:bodyPr/>
+          <a:lstStyle/>
+          <a:p>
+            <a:pPr lvl="0" indent="0" marL="0">
+              <a:buNone/>
+            </a:pPr>
+            <a:r>
+              <a:rPr b="1"/>
+              <a:t>The research process</a:t>
+            </a:r>
+          </a:p>
+        </p:txBody>
+      </p:sp>
+      <p:sp>
+        <p:nvSpPr>
+          <p:cNvPr id="3" name="Content Placeholder 2">
+            <a:extLst>
+              <a:ext uri="{FF2B5EF4-FFF2-40B4-BE49-F238E27FC236}">
+                <a16:creationId xmlns:a16="http://schemas.microsoft.com/office/drawing/2014/main" id="{A4EB24F9-04F1-C843-9D71-56C5C024552B}"/>
+              </a:ext>
+            </a:extLst>
+          </p:cNvPr>
+          <p:cNvSpPr>
+            <a:spLocks noGrp="1"/>
+          </p:cNvSpPr>
+          <p:nvPr>
+            <p:ph idx="1"/>
+          </p:nvPr>
+        </p:nvSpPr>
+        <p:spPr/>
+        <p:txBody>
+          <a:bodyPr/>
+          <a:lstStyle/>
+          <a:p>
+            <a:pPr lvl="0" indent="0" marL="0">
+              <a:buNone/>
+            </a:pPr>
+            <a:r>
+              <a:rPr/>
+              <a:t>•Develop research aims </a:t>
+            </a:r>
+          </a:p>
+          <a:p>
+            <a:pPr lvl="0" indent="0" marL="0">
+              <a:buNone/>
+            </a:pPr>
+            <a:r>
+              <a:rPr/>
+              <a:t>•Specify research questions/hypotheses related to these aims</a:t>
+            </a:r>
+          </a:p>
+          <a:p>
+            <a:pPr lvl="0" indent="0" marL="0">
+              <a:buNone/>
+            </a:pPr>
+            <a:r>
+              <a:rPr/>
+              <a:t>•Identify relevant constructs and concepts </a:t>
+            </a:r>
+          </a:p>
+          <a:p>
+            <a:pPr lvl="0" indent="0" marL="0">
+              <a:buNone/>
+            </a:pPr>
+            <a:r>
+              <a:rPr/>
+              <a:t>•Translate constructs and concepts into variables (i.e., a logical set of characteristics/features)</a:t>
+            </a:r>
+          </a:p>
+          <a:p>
+            <a:pPr lvl="0" indent="0" marL="0">
+              <a:buNone/>
+            </a:pPr>
+            <a:r>
+              <a:rPr/>
+              <a:t>•Translate variables into measurements (i.e., the quantification of characteristics/features)</a:t>
+            </a:r>
+          </a:p>
+        </p:txBody>
+      </p:sp>
     </p:spTree>
   </p:cSld>
 </p:sld>
@@ -5557,7 +5727,7 @@
             </a:pPr>
             <a:r>
               <a:rPr/>
-              <a:t>Summary</a:t>
+              <a:t>Quantitative Research</a:t>
             </a:r>
           </a:p>
         </p:txBody>
@@ -5588,28 +5758,16 @@
             </a:pPr>
             <a:r>
               <a:rPr/>
-              <a:t>You should now know:</a:t>
-            </a:r>
-          </a:p>
-          <a:p>
-            <a:pPr lvl="0"/>
-            <a:r>
-              <a:rPr/>
-              <a:t>Why scientists are concerned about the reliability of psychological studies</a:t>
-            </a:r>
-          </a:p>
-          <a:p>
-            <a:pPr lvl="0"/>
-            <a:r>
-              <a:rPr/>
-              <a:t>Steps the scientific community are taking to overcome these worries</a:t>
-            </a:r>
-          </a:p>
-          <a:p>
-            <a:pPr lvl="0"/>
-            <a:r>
-              <a:rPr/>
-              <a:t>Not everyone is convinced that the ‘crisis’ is as serious as it seems, or whether these changes will help solve psychology’s problems</a:t>
+              <a:t>A systematic examination of relationships between variables</a:t>
+            </a:r>
+          </a:p>
+          <a:p>
+            <a:pPr lvl="0" indent="0" marL="0">
+              <a:buNone/>
+            </a:pPr>
+            <a:r>
+              <a:rPr/>
+              <a:t>‘Variables’ are ‘translated’ concepts, constructs or phenomena</a:t>
             </a:r>
           </a:p>
         </p:txBody>
@@ -5641,7 +5799,7 @@
           <p:cNvPr id="2" name="Title 1">
             <a:extLst>
               <a:ext uri="{FF2B5EF4-FFF2-40B4-BE49-F238E27FC236}">
-                <a16:creationId xmlns:a16="http://schemas.microsoft.com/office/drawing/2014/main" id="{FF6A6CB2-D1B6-B94A-84C1-83C65423C650}"/>
+                <a16:creationId xmlns:a16="http://schemas.microsoft.com/office/drawing/2014/main" id="{DD9B8E45-0772-954C-8D4B-6E6808DFEDED}"/>
               </a:ext>
             </a:extLst>
           </p:cNvPr>
@@ -5654,8 +5812,8 @@
         </p:nvSpPr>
         <p:spPr>
           <a:xfrm>
-            <a:off x="831851" y="1709742"/>
-            <a:ext cx="10515600" cy="2852737"/>
+            <a:off x="838200" y="365129"/>
+            <a:ext cx="10002520" cy="1325563"/>
           </a:xfrm>
           <a:prstGeom prst="rect">
             <a:avLst/>
@@ -5670,7 +5828,68 @@
             </a:pPr>
             <a:r>
               <a:rPr/>
-              <a:t>Questions?</a:t>
+              <a:t>Types of Variable</a:t>
+            </a:r>
+          </a:p>
+        </p:txBody>
+      </p:sp>
+      <p:sp>
+        <p:nvSpPr>
+          <p:cNvPr id="3" name="Content Placeholder 2">
+            <a:extLst>
+              <a:ext uri="{FF2B5EF4-FFF2-40B4-BE49-F238E27FC236}">
+                <a16:creationId xmlns:a16="http://schemas.microsoft.com/office/drawing/2014/main" id="{A4EB24F9-04F1-C843-9D71-56C5C024552B}"/>
+              </a:ext>
+            </a:extLst>
+          </p:cNvPr>
+          <p:cNvSpPr>
+            <a:spLocks noGrp="1"/>
+          </p:cNvSpPr>
+          <p:nvPr>
+            <p:ph idx="1"/>
+          </p:nvPr>
+        </p:nvSpPr>
+        <p:spPr/>
+        <p:txBody>
+          <a:bodyPr/>
+          <a:lstStyle/>
+          <a:p>
+            <a:pPr lvl="0" indent="0" marL="0">
+              <a:buNone/>
+            </a:pPr>
+            <a:r>
+              <a:rPr/>
+              <a:t>Independent</a:t>
+            </a:r>
+          </a:p>
+          <a:p>
+            <a:pPr lvl="0"/>
+            <a:r>
+              <a:rPr/>
+              <a:t>Experimental - The variable I manipulate</a:t>
+            </a:r>
+          </a:p>
+          <a:p>
+            <a:pPr lvl="0"/>
+            <a:r>
+              <a:rPr/>
+              <a:t>Non-Experimental - Comparison groups</a:t>
+            </a:r>
+          </a:p>
+          <a:p>
+            <a:pPr lvl="0" indent="0" marL="0">
+              <a:buNone/>
+            </a:pPr>
+            <a:r>
+              <a:rPr/>
+              <a:t>Dependent</a:t>
+            </a:r>
+          </a:p>
+          <a:p>
+            <a:pPr lvl="0"/>
+            <a:r>
+              <a:rPr/>
+              <a:t>The variable you measure, that you propose to be influenced by a manpulation of the IVs</a:t>
             </a:r>
           </a:p>
         </p:txBody>
@@ -5731,7 +5950,7 @@
             </a:pPr>
             <a:r>
               <a:rPr/>
-              <a:t>Lab activities</a:t>
+              <a:t>Types of Measurement</a:t>
             </a:r>
           </a:p>
         </p:txBody>
@@ -5762,16 +5981,28 @@
             </a:pPr>
             <a:r>
               <a:rPr/>
-              <a:t>Qualtrics (99% of you will use this!)</a:t>
-            </a:r>
-          </a:p>
-          <a:p>
-            <a:pPr lvl="0" indent="0" marL="0">
-              <a:buNone/>
-            </a:pPr>
-            <a:r>
-              <a:rPr/>
-              <a:t>10% of you will apply for the wrong type of account and be stuck for 2 weeks</a:t>
+              <a:t>Nominal/Categorical</a:t>
+            </a:r>
+          </a:p>
+          <a:p>
+            <a:pPr lvl="0"/>
+            <a:r>
+              <a:rPr/>
+              <a:t>Male/Female/…</a:t>
+            </a:r>
+          </a:p>
+          <a:p>
+            <a:pPr lvl="0"/>
+            <a:r>
+              <a:rPr/>
+              <a:t>Vegan, Vegetarian</a:t>
+            </a:r>
+          </a:p>
+          <a:p>
+            <a:pPr lvl="0"/>
+            <a:r>
+              <a:rPr/>
+              <a:t>Smoker/Non-Smoker</a:t>
             </a:r>
           </a:p>
         </p:txBody>
@@ -5832,7 +6063,70 @@
             </a:pPr>
             <a:r>
               <a:rPr/>
-              <a:t>References</a:t>
+              <a:t>Types of Measurement</a:t>
+            </a:r>
+          </a:p>
+        </p:txBody>
+      </p:sp>
+      <p:sp>
+        <p:nvSpPr>
+          <p:cNvPr id="3" name="Content Placeholder 2">
+            <a:extLst>
+              <a:ext uri="{FF2B5EF4-FFF2-40B4-BE49-F238E27FC236}">
+                <a16:creationId xmlns:a16="http://schemas.microsoft.com/office/drawing/2014/main" id="{A4EB24F9-04F1-C843-9D71-56C5C024552B}"/>
+              </a:ext>
+            </a:extLst>
+          </p:cNvPr>
+          <p:cNvSpPr>
+            <a:spLocks noGrp="1"/>
+          </p:cNvSpPr>
+          <p:nvPr>
+            <p:ph idx="1"/>
+          </p:nvPr>
+        </p:nvSpPr>
+        <p:spPr/>
+        <p:txBody>
+          <a:bodyPr/>
+          <a:lstStyle/>
+          <a:p>
+            <a:pPr lvl="0" indent="0" marL="0">
+              <a:buNone/>
+            </a:pPr>
+            <a:r>
+              <a:rPr/>
+              <a:t>Ordinal</a:t>
+            </a:r>
+          </a:p>
+          <a:p>
+            <a:pPr lvl="0" indent="0" marL="0">
+              <a:buNone/>
+            </a:pPr>
+            <a:r>
+              <a:rPr/>
+              <a:t>Numbers representing a rank position in a group</a:t>
+            </a:r>
+          </a:p>
+          <a:p>
+            <a:pPr lvl="0" indent="0" marL="0">
+              <a:buNone/>
+            </a:pPr>
+            <a:r>
+              <a:rPr/>
+              <a:t>Not representative of an actual definite number/score/value - without information about the ‘gap’ between numbers</a:t>
+            </a:r>
+          </a:p>
+          <a:p>
+            <a:pPr lvl="0"/>
+            <a:r>
+              <a:rPr/>
+              <a:t>First, second, third</a:t>
+            </a:r>
+          </a:p>
+          <a:p>
+            <a:pPr lvl="0"/>
+            <a:r>
+              <a:rPr/>
+              <a:t>Tallest/Shortest</a:t>
             </a:r>
           </a:p>
         </p:txBody>
@@ -5894,6 +6188,1033 @@
 </p:sld>
 </file>
 
+<file path=ppt/slides/slide20.xml><?xml version="1.0" encoding="utf-8"?>
+<p:sld xmlns:a="http://schemas.openxmlformats.org/drawingml/2006/main" xmlns:r="http://schemas.openxmlformats.org/officeDocument/2006/relationships" xmlns:p="http://schemas.openxmlformats.org/presentationml/2006/main">
+  <p:cSld>
+    <p:spTree>
+      <p:nvGrpSpPr>
+        <p:cNvPr id="1" name=""/>
+        <p:cNvGrpSpPr/>
+        <p:nvPr/>
+      </p:nvGrpSpPr>
+      <p:grpSpPr>
+        <a:xfrm>
+          <a:off x="0" y="0"/>
+          <a:ext cx="0" cy="0"/>
+          <a:chOff x="0" y="0"/>
+          <a:chExt cx="0" cy="0"/>
+        </a:xfrm>
+      </p:grpSpPr>
+      <p:sp>
+        <p:nvSpPr>
+          <p:cNvPr id="2" name="Title 1">
+            <a:extLst>
+              <a:ext uri="{FF2B5EF4-FFF2-40B4-BE49-F238E27FC236}">
+                <a16:creationId xmlns:a16="http://schemas.microsoft.com/office/drawing/2014/main" id="{DD9B8E45-0772-954C-8D4B-6E6808DFEDED}"/>
+              </a:ext>
+            </a:extLst>
+          </p:cNvPr>
+          <p:cNvSpPr>
+            <a:spLocks noGrp="1"/>
+          </p:cNvSpPr>
+          <p:nvPr>
+            <p:ph type="title"/>
+          </p:nvPr>
+        </p:nvSpPr>
+        <p:spPr>
+          <a:xfrm>
+            <a:off x="838200" y="365129"/>
+            <a:ext cx="10002520" cy="1325563"/>
+          </a:xfrm>
+          <a:prstGeom prst="rect">
+            <a:avLst/>
+          </a:prstGeom>
+        </p:spPr>
+        <p:txBody>
+          <a:bodyPr/>
+          <a:lstStyle/>
+          <a:p>
+            <a:pPr lvl="0" indent="0" marL="0">
+              <a:buNone/>
+            </a:pPr>
+            <a:r>
+              <a:rPr/>
+              <a:t>Types of Measurement</a:t>
+            </a:r>
+          </a:p>
+        </p:txBody>
+      </p:sp>
+      <p:sp>
+        <p:nvSpPr>
+          <p:cNvPr id="3" name="Content Placeholder 2">
+            <a:extLst>
+              <a:ext uri="{FF2B5EF4-FFF2-40B4-BE49-F238E27FC236}">
+                <a16:creationId xmlns:a16="http://schemas.microsoft.com/office/drawing/2014/main" id="{A4EB24F9-04F1-C843-9D71-56C5C024552B}"/>
+              </a:ext>
+            </a:extLst>
+          </p:cNvPr>
+          <p:cNvSpPr>
+            <a:spLocks noGrp="1"/>
+          </p:cNvSpPr>
+          <p:nvPr>
+            <p:ph idx="1"/>
+          </p:nvPr>
+        </p:nvSpPr>
+        <p:spPr/>
+        <p:txBody>
+          <a:bodyPr/>
+          <a:lstStyle/>
+          <a:p>
+            <a:pPr lvl="0" indent="0" marL="0">
+              <a:buNone/>
+            </a:pPr>
+            <a:r>
+              <a:rPr/>
+              <a:t>Interval</a:t>
+            </a:r>
+          </a:p>
+          <a:p>
+            <a:pPr lvl="0" indent="0" marL="0">
+              <a:buNone/>
+            </a:pPr>
+            <a:r>
+              <a:rPr/>
+              <a:t>Numbers represent equal units giving information about the ‘gap’ between numbers</a:t>
+            </a:r>
+          </a:p>
+          <a:p>
+            <a:pPr lvl="0"/>
+            <a:r>
+              <a:rPr/>
+              <a:t>Temperature</a:t>
+            </a:r>
+          </a:p>
+          <a:p>
+            <a:pPr lvl="0"/>
+            <a:r>
+              <a:rPr/>
+              <a:t>Psychological Scales</a:t>
+            </a:r>
+          </a:p>
+        </p:txBody>
+      </p:sp>
+    </p:spTree>
+  </p:cSld>
+</p:sld>
+</file>
+
+<file path=ppt/slides/slide21.xml><?xml version="1.0" encoding="utf-8"?>
+<p:sld xmlns:a="http://schemas.openxmlformats.org/drawingml/2006/main" xmlns:r="http://schemas.openxmlformats.org/officeDocument/2006/relationships" xmlns:p="http://schemas.openxmlformats.org/presentationml/2006/main">
+  <p:cSld>
+    <p:spTree>
+      <p:nvGrpSpPr>
+        <p:cNvPr id="1" name=""/>
+        <p:cNvGrpSpPr/>
+        <p:nvPr/>
+      </p:nvGrpSpPr>
+      <p:grpSpPr>
+        <a:xfrm>
+          <a:off x="0" y="0"/>
+          <a:ext cx="0" cy="0"/>
+          <a:chOff x="0" y="0"/>
+          <a:chExt cx="0" cy="0"/>
+        </a:xfrm>
+      </p:grpSpPr>
+      <p:sp>
+        <p:nvSpPr>
+          <p:cNvPr id="2" name="Title 1">
+            <a:extLst>
+              <a:ext uri="{FF2B5EF4-FFF2-40B4-BE49-F238E27FC236}">
+                <a16:creationId xmlns:a16="http://schemas.microsoft.com/office/drawing/2014/main" id="{DD9B8E45-0772-954C-8D4B-6E6808DFEDED}"/>
+              </a:ext>
+            </a:extLst>
+          </p:cNvPr>
+          <p:cNvSpPr>
+            <a:spLocks noGrp="1"/>
+          </p:cNvSpPr>
+          <p:nvPr>
+            <p:ph type="title"/>
+          </p:nvPr>
+        </p:nvSpPr>
+        <p:spPr>
+          <a:xfrm>
+            <a:off x="838200" y="365129"/>
+            <a:ext cx="10002520" cy="1325563"/>
+          </a:xfrm>
+          <a:prstGeom prst="rect">
+            <a:avLst/>
+          </a:prstGeom>
+        </p:spPr>
+        <p:txBody>
+          <a:bodyPr/>
+          <a:lstStyle/>
+          <a:p>
+            <a:pPr lvl="0" indent="0" marL="0">
+              <a:buNone/>
+            </a:pPr>
+            <a:r>
+              <a:rPr/>
+              <a:t>Types of Measurement</a:t>
+            </a:r>
+          </a:p>
+        </p:txBody>
+      </p:sp>
+      <p:sp>
+        <p:nvSpPr>
+          <p:cNvPr id="3" name="Content Placeholder 2">
+            <a:extLst>
+              <a:ext uri="{FF2B5EF4-FFF2-40B4-BE49-F238E27FC236}">
+                <a16:creationId xmlns:a16="http://schemas.microsoft.com/office/drawing/2014/main" id="{A4EB24F9-04F1-C843-9D71-56C5C024552B}"/>
+              </a:ext>
+            </a:extLst>
+          </p:cNvPr>
+          <p:cNvSpPr>
+            <a:spLocks noGrp="1"/>
+          </p:cNvSpPr>
+          <p:nvPr>
+            <p:ph idx="1"/>
+          </p:nvPr>
+        </p:nvSpPr>
+        <p:spPr/>
+        <p:txBody>
+          <a:bodyPr/>
+          <a:lstStyle/>
+          <a:p>
+            <a:pPr lvl="0" indent="0" marL="0">
+              <a:buNone/>
+            </a:pPr>
+            <a:r>
+              <a:rPr/>
+              <a:t>Ratio</a:t>
+            </a:r>
+          </a:p>
+          <a:p>
+            <a:pPr lvl="0" indent="0" marL="0">
+              <a:buNone/>
+            </a:pPr>
+            <a:r>
+              <a:rPr/>
+              <a:t>Interval measurements with an absolute zero, of equal units,</a:t>
+            </a:r>
+          </a:p>
+          <a:p>
+            <a:pPr lvl="0"/>
+            <a:r>
+              <a:rPr/>
+              <a:t>Weight</a:t>
+            </a:r>
+          </a:p>
+          <a:p>
+            <a:pPr lvl="0"/>
+            <a:r>
+              <a:rPr/>
+              <a:t>Length</a:t>
+            </a:r>
+          </a:p>
+          <a:p>
+            <a:pPr lvl="0"/>
+            <a:r>
+              <a:rPr/>
+              <a:t>Time/Reaction time*</a:t>
+            </a:r>
+          </a:p>
+        </p:txBody>
+      </p:sp>
+    </p:spTree>
+  </p:cSld>
+</p:sld>
+</file>
+
+<file path=ppt/slides/slide22.xml><?xml version="1.0" encoding="utf-8"?>
+<p:sld xmlns:a="http://schemas.openxmlformats.org/drawingml/2006/main" xmlns:r="http://schemas.openxmlformats.org/officeDocument/2006/relationships" xmlns:p="http://schemas.openxmlformats.org/presentationml/2006/main">
+  <p:cSld>
+    <p:spTree>
+      <p:nvGrpSpPr>
+        <p:cNvPr id="1" name=""/>
+        <p:cNvGrpSpPr/>
+        <p:nvPr/>
+      </p:nvGrpSpPr>
+      <p:grpSpPr>
+        <a:xfrm>
+          <a:off x="0" y="0"/>
+          <a:ext cx="0" cy="0"/>
+          <a:chOff x="0" y="0"/>
+          <a:chExt cx="0" cy="0"/>
+        </a:xfrm>
+      </p:grpSpPr>
+      <p:sp>
+        <p:nvSpPr>
+          <p:cNvPr id="2" name="Title 1">
+            <a:extLst>
+              <a:ext uri="{FF2B5EF4-FFF2-40B4-BE49-F238E27FC236}">
+                <a16:creationId xmlns:a16="http://schemas.microsoft.com/office/drawing/2014/main" id="{DD9B8E45-0772-954C-8D4B-6E6808DFEDED}"/>
+              </a:ext>
+            </a:extLst>
+          </p:cNvPr>
+          <p:cNvSpPr>
+            <a:spLocks noGrp="1"/>
+          </p:cNvSpPr>
+          <p:nvPr>
+            <p:ph type="title"/>
+          </p:nvPr>
+        </p:nvSpPr>
+        <p:spPr>
+          <a:xfrm>
+            <a:off x="838200" y="365129"/>
+            <a:ext cx="10002520" cy="1325563"/>
+          </a:xfrm>
+          <a:prstGeom prst="rect">
+            <a:avLst/>
+          </a:prstGeom>
+        </p:spPr>
+        <p:txBody>
+          <a:bodyPr/>
+          <a:lstStyle/>
+          <a:p>
+            <a:pPr lvl="0" indent="0" marL="0">
+              <a:buNone/>
+            </a:pPr>
+            <a:r>
+              <a:rPr/>
+              <a:t>Dani Navarro</a:t>
+            </a:r>
+          </a:p>
+        </p:txBody>
+      </p:sp>
+      <p:sp>
+        <p:nvSpPr>
+          <p:cNvPr id="3" name="Content Placeholder 2">
+            <a:extLst>
+              <a:ext uri="{FF2B5EF4-FFF2-40B4-BE49-F238E27FC236}">
+                <a16:creationId xmlns:a16="http://schemas.microsoft.com/office/drawing/2014/main" id="{A4EB24F9-04F1-C843-9D71-56C5C024552B}"/>
+              </a:ext>
+            </a:extLst>
+          </p:cNvPr>
+          <p:cNvSpPr>
+            <a:spLocks noGrp="1"/>
+          </p:cNvSpPr>
+          <p:nvPr>
+            <p:ph idx="1"/>
+          </p:nvPr>
+        </p:nvSpPr>
+        <p:spPr/>
+        <p:txBody>
+          <a:bodyPr/>
+          <a:lstStyle/>
+          <a:p>
+            <a:pPr lvl="0" indent="0" marL="0">
+              <a:buNone/>
+            </a:pPr>
+            <a:r>
+              <a:rPr/>
+              <a:t>A legend. Author of Learning Statistics with Jamovi/R</a:t>
+            </a:r>
+          </a:p>
+        </p:txBody>
+      </p:sp>
+    </p:spTree>
+  </p:cSld>
+</p:sld>
+</file>
+
+<file path=ppt/slides/slide23.xml><?xml version="1.0" encoding="utf-8"?>
+<p:sld xmlns:a="http://schemas.openxmlformats.org/drawingml/2006/main" xmlns:r="http://schemas.openxmlformats.org/officeDocument/2006/relationships" xmlns:p="http://schemas.openxmlformats.org/presentationml/2006/main">
+  <p:cSld>
+    <p:spTree>
+      <p:nvGrpSpPr>
+        <p:cNvPr id="1" name=""/>
+        <p:cNvGrpSpPr/>
+        <p:nvPr/>
+      </p:nvGrpSpPr>
+      <p:grpSpPr>
+        <a:xfrm>
+          <a:off x="0" y="0"/>
+          <a:ext cx="0" cy="0"/>
+          <a:chOff x="0" y="0"/>
+          <a:chExt cx="0" cy="0"/>
+        </a:xfrm>
+      </p:grpSpPr>
+      <p:sp>
+        <p:nvSpPr>
+          <p:cNvPr id="2" name="Title 1">
+            <a:extLst>
+              <a:ext uri="{FF2B5EF4-FFF2-40B4-BE49-F238E27FC236}">
+                <a16:creationId xmlns:a16="http://schemas.microsoft.com/office/drawing/2014/main" id="{FF6A6CB2-D1B6-B94A-84C1-83C65423C650}"/>
+              </a:ext>
+            </a:extLst>
+          </p:cNvPr>
+          <p:cNvSpPr>
+            <a:spLocks noGrp="1"/>
+          </p:cNvSpPr>
+          <p:nvPr>
+            <p:ph type="title"/>
+          </p:nvPr>
+        </p:nvSpPr>
+        <p:spPr>
+          <a:xfrm>
+            <a:off x="831851" y="1709742"/>
+            <a:ext cx="10515600" cy="2852737"/>
+          </a:xfrm>
+          <a:prstGeom prst="rect">
+            <a:avLst/>
+          </a:prstGeom>
+        </p:spPr>
+        <p:txBody>
+          <a:bodyPr/>
+          <a:lstStyle/>
+          <a:p>
+            <a:pPr lvl="0" indent="0" marL="0">
+              <a:buNone/>
+            </a:pPr>
+            <a:r>
+              <a:rPr>
+                <a:hlinkClick r:id="rId2"/>
+              </a:rPr>
+              <a:t>learnstatswithjamovi.com</a:t>
+            </a:r>
+          </a:p>
+        </p:txBody>
+      </p:sp>
+    </p:spTree>
+  </p:cSld>
+</p:sld>
+</file>
+
+<file path=ppt/slides/slide24.xml><?xml version="1.0" encoding="utf-8"?>
+<p:sld xmlns:a="http://schemas.openxmlformats.org/drawingml/2006/main" xmlns:r="http://schemas.openxmlformats.org/officeDocument/2006/relationships" xmlns:p="http://schemas.openxmlformats.org/presentationml/2006/main">
+  <p:cSld>
+    <p:spTree>
+      <p:nvGrpSpPr>
+        <p:cNvPr id="1" name=""/>
+        <p:cNvGrpSpPr/>
+        <p:nvPr/>
+      </p:nvGrpSpPr>
+      <p:grpSpPr>
+        <a:xfrm>
+          <a:off x="0" y="0"/>
+          <a:ext cx="0" cy="0"/>
+          <a:chOff x="0" y="0"/>
+          <a:chExt cx="0" cy="0"/>
+        </a:xfrm>
+      </p:grpSpPr>
+      <p:pic>
+        <p:nvPicPr>
+          <p:cNvPr descr="images/paste-4A09265F.png" id="0" name="Picture 1"/>
+          <p:cNvPicPr>
+            <a:picLocks noGrp="1" noChangeAspect="1"/>
+          </p:cNvPicPr>
+          <p:nvPr/>
+        </p:nvPicPr>
+        <p:blipFill>
+          <a:blip r:embed="rId2"/>
+          <a:stretch>
+            <a:fillRect/>
+          </a:stretch>
+        </p:blipFill>
+        <p:spPr bwMode="auto">
+          <a:xfrm>
+            <a:off x="1003300" y="1816100"/>
+            <a:ext cx="10185400" cy="4343400"/>
+          </a:xfrm>
+          <a:prstGeom prst="rect">
+            <a:avLst/>
+          </a:prstGeom>
+          <a:noFill/>
+          <a:ln w="9525">
+            <a:noFill/>
+            <a:headEnd/>
+            <a:tailEnd/>
+          </a:ln>
+        </p:spPr>
+      </p:pic>
+    </p:spTree>
+  </p:cSld>
+</p:sld>
+</file>
+
+<file path=ppt/slides/slide25.xml><?xml version="1.0" encoding="utf-8"?>
+<p:sld xmlns:a="http://schemas.openxmlformats.org/drawingml/2006/main" xmlns:r="http://schemas.openxmlformats.org/officeDocument/2006/relationships" xmlns:p="http://schemas.openxmlformats.org/presentationml/2006/main">
+  <p:cSld>
+    <p:spTree>
+      <p:nvGrpSpPr>
+        <p:cNvPr id="1" name=""/>
+        <p:cNvGrpSpPr/>
+        <p:nvPr/>
+      </p:nvGrpSpPr>
+      <p:grpSpPr>
+        <a:xfrm>
+          <a:off x="0" y="0"/>
+          <a:ext cx="0" cy="0"/>
+          <a:chOff x="0" y="0"/>
+          <a:chExt cx="0" cy="0"/>
+        </a:xfrm>
+      </p:grpSpPr>
+      <p:sp>
+        <p:nvSpPr>
+          <p:cNvPr id="2" name="Title 1">
+            <a:extLst>
+              <a:ext uri="{FF2B5EF4-FFF2-40B4-BE49-F238E27FC236}">
+                <a16:creationId xmlns:a16="http://schemas.microsoft.com/office/drawing/2014/main" id="{DD9B8E45-0772-954C-8D4B-6E6808DFEDED}"/>
+              </a:ext>
+            </a:extLst>
+          </p:cNvPr>
+          <p:cNvSpPr>
+            <a:spLocks noGrp="1"/>
+          </p:cNvSpPr>
+          <p:nvPr>
+            <p:ph type="title"/>
+          </p:nvPr>
+        </p:nvSpPr>
+        <p:spPr>
+          <a:xfrm>
+            <a:off x="838200" y="365129"/>
+            <a:ext cx="10002520" cy="1325563"/>
+          </a:xfrm>
+          <a:prstGeom prst="rect">
+            <a:avLst/>
+          </a:prstGeom>
+        </p:spPr>
+        <p:txBody>
+          <a:bodyPr/>
+          <a:lstStyle/>
+          <a:p>
+            <a:pPr lvl="0" indent="0" marL="0">
+              <a:buNone/>
+            </a:pPr>
+            <a:r>
+              <a:rPr/>
+              <a:t>Dani’s example:</a:t>
+            </a:r>
+          </a:p>
+        </p:txBody>
+      </p:sp>
+      <p:sp>
+        <p:nvSpPr>
+          <p:cNvPr id="3" name="Content Placeholder 2">
+            <a:extLst>
+              <a:ext uri="{FF2B5EF4-FFF2-40B4-BE49-F238E27FC236}">
+                <a16:creationId xmlns:a16="http://schemas.microsoft.com/office/drawing/2014/main" id="{A4EB24F9-04F1-C843-9D71-56C5C024552B}"/>
+              </a:ext>
+            </a:extLst>
+          </p:cNvPr>
+          <p:cNvSpPr>
+            <a:spLocks noGrp="1"/>
+          </p:cNvSpPr>
+          <p:nvPr>
+            <p:ph idx="1"/>
+          </p:nvPr>
+        </p:nvSpPr>
+        <p:spPr/>
+        <p:txBody>
+          <a:bodyPr/>
+          <a:lstStyle/>
+          <a:p>
+            <a:pPr lvl="0" indent="0" marL="0">
+              <a:buNone/>
+            </a:pPr>
+            <a:r>
+              <a:rPr/>
+              <a:t>• My </a:t>
+            </a:r>
+            <a:r>
+              <a:rPr u="sng"/>
+              <a:t>age</a:t>
+            </a:r>
+            <a:r>
+              <a:rPr/>
+              <a:t> is 33 years.</a:t>
+            </a:r>
+          </a:p>
+          <a:p>
+            <a:pPr lvl="0" indent="0" marL="0">
+              <a:buNone/>
+            </a:pPr>
+            <a:r>
+              <a:rPr/>
+              <a:t>• I do not like </a:t>
+            </a:r>
+            <a:r>
+              <a:rPr u="sng"/>
+              <a:t>anchovies</a:t>
+            </a:r>
+            <a:r>
+              <a:rPr/>
+              <a:t>.</a:t>
+            </a:r>
+          </a:p>
+          <a:p>
+            <a:pPr lvl="0" indent="0" marL="0">
+              <a:buNone/>
+            </a:pPr>
+            <a:r>
+              <a:rPr/>
+              <a:t>• My </a:t>
+            </a:r>
+            <a:r>
+              <a:rPr u="sng"/>
+              <a:t>chromosomal gender</a:t>
+            </a:r>
+            <a:r>
+              <a:rPr/>
+              <a:t> is male.</a:t>
+            </a:r>
+          </a:p>
+          <a:p>
+            <a:pPr lvl="0" indent="0" marL="0">
+              <a:buNone/>
+            </a:pPr>
+            <a:r>
+              <a:rPr/>
+              <a:t>• My </a:t>
+            </a:r>
+            <a:r>
+              <a:rPr u="sng"/>
+              <a:t>self-identified gender</a:t>
+            </a:r>
+            <a:r>
+              <a:rPr/>
+              <a:t> is male*</a:t>
+            </a:r>
+          </a:p>
+          <a:p>
+            <a:pPr lvl="0" indent="0" marL="0">
+              <a:buNone/>
+            </a:pPr>
+            <a:r>
+              <a:rPr/>
+              <a:t>*see footnote 2, page 14 Learning Statistics with Jamovi</a:t>
+            </a:r>
+          </a:p>
+        </p:txBody>
+      </p:sp>
+    </p:spTree>
+  </p:cSld>
+</p:sld>
+</file>
+
+<file path=ppt/slides/slide26.xml><?xml version="1.0" encoding="utf-8"?>
+<p:sld xmlns:a="http://schemas.openxmlformats.org/drawingml/2006/main" xmlns:r="http://schemas.openxmlformats.org/officeDocument/2006/relationships" xmlns:p="http://schemas.openxmlformats.org/presentationml/2006/main">
+  <p:cSld>
+    <p:spTree>
+      <p:nvGrpSpPr>
+        <p:cNvPr id="1" name=""/>
+        <p:cNvGrpSpPr/>
+        <p:nvPr/>
+      </p:nvGrpSpPr>
+      <p:grpSpPr>
+        <a:xfrm>
+          <a:off x="0" y="0"/>
+          <a:ext cx="0" cy="0"/>
+          <a:chOff x="0" y="0"/>
+          <a:chExt cx="0" cy="0"/>
+        </a:xfrm>
+      </p:grpSpPr>
+      <p:sp>
+        <p:nvSpPr>
+          <p:cNvPr id="2" name="Title 1">
+            <a:extLst>
+              <a:ext uri="{FF2B5EF4-FFF2-40B4-BE49-F238E27FC236}">
+                <a16:creationId xmlns:a16="http://schemas.microsoft.com/office/drawing/2014/main" id="{DD9B8E45-0772-954C-8D4B-6E6808DFEDED}"/>
+              </a:ext>
+            </a:extLst>
+          </p:cNvPr>
+          <p:cNvSpPr>
+            <a:spLocks noGrp="1"/>
+          </p:cNvSpPr>
+          <p:nvPr>
+            <p:ph type="title"/>
+          </p:nvPr>
+        </p:nvSpPr>
+        <p:spPr>
+          <a:xfrm>
+            <a:off x="838200" y="365129"/>
+            <a:ext cx="10002520" cy="1325563"/>
+          </a:xfrm>
+          <a:prstGeom prst="rect">
+            <a:avLst/>
+          </a:prstGeom>
+        </p:spPr>
+        <p:txBody>
+          <a:bodyPr/>
+          <a:lstStyle/>
+          <a:p>
+            <a:pPr lvl="0" indent="0" marL="0">
+              <a:buNone/>
+            </a:pPr>
+            <a:r>
+              <a:rPr/>
+              <a:t>Median Splits</a:t>
+            </a:r>
+          </a:p>
+        </p:txBody>
+      </p:sp>
+      <p:sp>
+        <p:nvSpPr>
+          <p:cNvPr id="3" name="Content Placeholder 2">
+            <a:extLst>
+              <a:ext uri="{FF2B5EF4-FFF2-40B4-BE49-F238E27FC236}">
+                <a16:creationId xmlns:a16="http://schemas.microsoft.com/office/drawing/2014/main" id="{A4EB24F9-04F1-C843-9D71-56C5C024552B}"/>
+              </a:ext>
+            </a:extLst>
+          </p:cNvPr>
+          <p:cNvSpPr>
+            <a:spLocks noGrp="1"/>
+          </p:cNvSpPr>
+          <p:nvPr>
+            <p:ph idx="1"/>
+          </p:nvPr>
+        </p:nvSpPr>
+        <p:spPr/>
+        <p:txBody>
+          <a:bodyPr/>
+          <a:lstStyle/>
+          <a:p>
+            <a:pPr lvl="0" indent="0" marL="1270000">
+              <a:buNone/>
+            </a:pPr>
+            <a:r>
+              <a:rPr sz="2000" b="1"/>
+              <a:t>Dangerzone!</a:t>
+            </a:r>
+          </a:p>
+          <a:p>
+            <a:pPr lvl="0" indent="0" marL="1270000">
+              <a:buNone/>
+            </a:pPr>
+            <a:r>
+              <a:rPr sz="2000"/>
+              <a:t>We often suggest a median split to dichotomise a continuous variable, e.g. for the purposes of creating a 2 level IV.</a:t>
+            </a:r>
+          </a:p>
+          <a:p>
+            <a:pPr lvl="0" indent="0" marL="1270000">
+              <a:buNone/>
+            </a:pPr>
+            <a:r>
+              <a:rPr sz="2000"/>
+              <a:t>It’s a useful exercise in calculating a ‘computed variable’ in SPSS or Jamovi</a:t>
+            </a:r>
+          </a:p>
+          <a:p>
+            <a:pPr lvl="0" indent="0" marL="1270000">
+              <a:buNone/>
+            </a:pPr>
+            <a:r>
+              <a:rPr sz="2000"/>
+              <a:t>It is NOT best-practice usually.</a:t>
+            </a:r>
+          </a:p>
+          <a:p>
+            <a:pPr lvl="0" indent="0" marL="0">
+              <a:buNone/>
+            </a:pPr>
+            <a:r>
+              <a:rPr/>
+              <a:t>It is a key learning outcome that you are able to perform a standardised set of analysis, specifically, the 2x2 ANOVA with any necessary assumption checks and post-hocs + plots</a:t>
+            </a:r>
+          </a:p>
+        </p:txBody>
+      </p:sp>
+    </p:spTree>
+  </p:cSld>
+</p:sld>
+</file>
+
+<file path=ppt/slides/slide27.xml><?xml version="1.0" encoding="utf-8"?>
+<p:sld xmlns:a="http://schemas.openxmlformats.org/drawingml/2006/main" xmlns:r="http://schemas.openxmlformats.org/officeDocument/2006/relationships" xmlns:p="http://schemas.openxmlformats.org/presentationml/2006/main">
+  <p:cSld>
+    <p:spTree>
+      <p:nvGrpSpPr>
+        <p:cNvPr id="1" name=""/>
+        <p:cNvGrpSpPr/>
+        <p:nvPr/>
+      </p:nvGrpSpPr>
+      <p:grpSpPr>
+        <a:xfrm>
+          <a:off x="0" y="0"/>
+          <a:ext cx="0" cy="0"/>
+          <a:chOff x="0" y="0"/>
+          <a:chExt cx="0" cy="0"/>
+        </a:xfrm>
+      </p:grpSpPr>
+      <p:sp>
+        <p:nvSpPr>
+          <p:cNvPr id="2" name="Title 1">
+            <a:extLst>
+              <a:ext uri="{FF2B5EF4-FFF2-40B4-BE49-F238E27FC236}">
+                <a16:creationId xmlns:a16="http://schemas.microsoft.com/office/drawing/2014/main" id="{DD9B8E45-0772-954C-8D4B-6E6808DFEDED}"/>
+              </a:ext>
+            </a:extLst>
+          </p:cNvPr>
+          <p:cNvSpPr>
+            <a:spLocks noGrp="1"/>
+          </p:cNvSpPr>
+          <p:nvPr>
+            <p:ph type="title"/>
+          </p:nvPr>
+        </p:nvSpPr>
+        <p:spPr>
+          <a:xfrm>
+            <a:off x="838200" y="365129"/>
+            <a:ext cx="10002520" cy="1325563"/>
+          </a:xfrm>
+          <a:prstGeom prst="rect">
+            <a:avLst/>
+          </a:prstGeom>
+        </p:spPr>
+        <p:txBody>
+          <a:bodyPr/>
+          <a:lstStyle/>
+          <a:p>
+            <a:pPr lvl="0" indent="0" marL="0">
+              <a:buNone/>
+            </a:pPr>
+            <a:r>
+              <a:rPr/>
+              <a:t>Think about this</a:t>
+            </a:r>
+          </a:p>
+        </p:txBody>
+      </p:sp>
+      <p:pic>
+        <p:nvPicPr>
+          <p:cNvPr descr="images/paste-EAC3C58C.png" id="0" name="Picture 1"/>
+          <p:cNvPicPr>
+            <a:picLocks noGrp="1" noChangeAspect="1"/>
+          </p:cNvPicPr>
+          <p:nvPr/>
+        </p:nvPicPr>
+        <p:blipFill>
+          <a:blip r:embed="rId2"/>
+          <a:stretch>
+            <a:fillRect/>
+          </a:stretch>
+        </p:blipFill>
+        <p:spPr bwMode="auto">
+          <a:xfrm>
+            <a:off x="3746500" y="1816100"/>
+            <a:ext cx="4699000" cy="4343400"/>
+          </a:xfrm>
+          <a:prstGeom prst="rect">
+            <a:avLst/>
+          </a:prstGeom>
+          <a:noFill/>
+          <a:ln w="9525">
+            <a:noFill/>
+            <a:headEnd/>
+            <a:tailEnd/>
+          </a:ln>
+        </p:spPr>
+      </p:pic>
+    </p:spTree>
+  </p:cSld>
+</p:sld>
+</file>
+
+<file path=ppt/slides/slide28.xml><?xml version="1.0" encoding="utf-8"?>
+<p:sld xmlns:a="http://schemas.openxmlformats.org/drawingml/2006/main" xmlns:r="http://schemas.openxmlformats.org/officeDocument/2006/relationships" xmlns:p="http://schemas.openxmlformats.org/presentationml/2006/main">
+  <p:cSld>
+    <p:spTree>
+      <p:nvGrpSpPr>
+        <p:cNvPr id="1" name=""/>
+        <p:cNvGrpSpPr/>
+        <p:nvPr/>
+      </p:nvGrpSpPr>
+      <p:grpSpPr>
+        <a:xfrm>
+          <a:off x="0" y="0"/>
+          <a:ext cx="0" cy="0"/>
+          <a:chOff x="0" y="0"/>
+          <a:chExt cx="0" cy="0"/>
+        </a:xfrm>
+      </p:grpSpPr>
+      <p:sp>
+        <p:nvSpPr>
+          <p:cNvPr id="2" name="Title 1">
+            <a:extLst>
+              <a:ext uri="{FF2B5EF4-FFF2-40B4-BE49-F238E27FC236}">
+                <a16:creationId xmlns:a16="http://schemas.microsoft.com/office/drawing/2014/main" id="{DD9B8E45-0772-954C-8D4B-6E6808DFEDED}"/>
+              </a:ext>
+            </a:extLst>
+          </p:cNvPr>
+          <p:cNvSpPr>
+            <a:spLocks noGrp="1"/>
+          </p:cNvSpPr>
+          <p:nvPr>
+            <p:ph type="title"/>
+          </p:nvPr>
+        </p:nvSpPr>
+        <p:spPr>
+          <a:xfrm>
+            <a:off x="838200" y="365129"/>
+            <a:ext cx="10002520" cy="1325563"/>
+          </a:xfrm>
+          <a:prstGeom prst="rect">
+            <a:avLst/>
+          </a:prstGeom>
+        </p:spPr>
+        <p:txBody>
+          <a:bodyPr/>
+          <a:lstStyle/>
+          <a:p>
+            <a:pPr lvl="0" indent="0" marL="0">
+              <a:buNone/>
+            </a:pPr>
+            <a:r>
+              <a:rPr/>
+              <a:t>Operationalisation, measurement and definitions impact…</a:t>
+            </a:r>
+          </a:p>
+        </p:txBody>
+      </p:sp>
+      <p:pic>
+        <p:nvPicPr>
+          <p:cNvPr descr="images/paste-E903404B.png" id="0" name="Picture 1"/>
+          <p:cNvPicPr>
+            <a:picLocks noGrp="1" noChangeAspect="1"/>
+          </p:cNvPicPr>
+          <p:nvPr/>
+        </p:nvPicPr>
+        <p:blipFill>
+          <a:blip r:embed="rId2"/>
+          <a:stretch>
+            <a:fillRect/>
+          </a:stretch>
+        </p:blipFill>
+        <p:spPr bwMode="auto">
+          <a:xfrm>
+            <a:off x="3340100" y="1816100"/>
+            <a:ext cx="5511800" cy="4343400"/>
+          </a:xfrm>
+          <a:prstGeom prst="rect">
+            <a:avLst/>
+          </a:prstGeom>
+          <a:noFill/>
+          <a:ln w="9525">
+            <a:noFill/>
+            <a:headEnd/>
+            <a:tailEnd/>
+          </a:ln>
+        </p:spPr>
+      </p:pic>
+    </p:spTree>
+  </p:cSld>
+</p:sld>
+</file>
+
+<file path=ppt/slides/slide29.xml><?xml version="1.0" encoding="utf-8"?>
+<p:sld xmlns:a="http://schemas.openxmlformats.org/drawingml/2006/main" xmlns:r="http://schemas.openxmlformats.org/officeDocument/2006/relationships" xmlns:p="http://schemas.openxmlformats.org/presentationml/2006/main">
+  <p:cSld>
+    <p:spTree>
+      <p:nvGrpSpPr>
+        <p:cNvPr id="1" name=""/>
+        <p:cNvGrpSpPr/>
+        <p:nvPr/>
+      </p:nvGrpSpPr>
+      <p:grpSpPr>
+        <a:xfrm>
+          <a:off x="0" y="0"/>
+          <a:ext cx="0" cy="0"/>
+          <a:chOff x="0" y="0"/>
+          <a:chExt cx="0" cy="0"/>
+        </a:xfrm>
+      </p:grpSpPr>
+      <p:sp>
+        <p:nvSpPr>
+          <p:cNvPr id="2" name="Title 1">
+            <a:extLst>
+              <a:ext uri="{FF2B5EF4-FFF2-40B4-BE49-F238E27FC236}">
+                <a16:creationId xmlns:a16="http://schemas.microsoft.com/office/drawing/2014/main" id="{DD9B8E45-0772-954C-8D4B-6E6808DFEDED}"/>
+              </a:ext>
+            </a:extLst>
+          </p:cNvPr>
+          <p:cNvSpPr>
+            <a:spLocks noGrp="1"/>
+          </p:cNvSpPr>
+          <p:nvPr>
+            <p:ph type="title"/>
+          </p:nvPr>
+        </p:nvSpPr>
+        <p:spPr>
+          <a:xfrm>
+            <a:off x="838200" y="365129"/>
+            <a:ext cx="10002520" cy="1325563"/>
+          </a:xfrm>
+          <a:prstGeom prst="rect">
+            <a:avLst/>
+          </a:prstGeom>
+        </p:spPr>
+        <p:txBody>
+          <a:bodyPr/>
+          <a:lstStyle/>
+          <a:p>
+            <a:pPr lvl="0" indent="0" marL="0">
+              <a:buNone/>
+            </a:pPr>
+            <a:r>
+              <a:rPr/>
+              <a:t>Summary</a:t>
+            </a:r>
+          </a:p>
+        </p:txBody>
+      </p:sp>
+      <p:sp>
+        <p:nvSpPr>
+          <p:cNvPr id="3" name="Content Placeholder 2">
+            <a:extLst>
+              <a:ext uri="{FF2B5EF4-FFF2-40B4-BE49-F238E27FC236}">
+                <a16:creationId xmlns:a16="http://schemas.microsoft.com/office/drawing/2014/main" id="{A4EB24F9-04F1-C843-9D71-56C5C024552B}"/>
+              </a:ext>
+            </a:extLst>
+          </p:cNvPr>
+          <p:cNvSpPr>
+            <a:spLocks noGrp="1"/>
+          </p:cNvSpPr>
+          <p:nvPr>
+            <p:ph idx="1"/>
+          </p:nvPr>
+        </p:nvSpPr>
+        <p:spPr/>
+        <p:txBody>
+          <a:bodyPr/>
+          <a:lstStyle/>
+          <a:p>
+            <a:pPr lvl="0" indent="0" marL="0">
+              <a:buNone/>
+            </a:pPr>
+            <a:r>
+              <a:rPr/>
+              <a:t>You should think carefully about:</a:t>
+            </a:r>
+          </a:p>
+          <a:p>
+            <a:pPr lvl="0"/>
+            <a:r>
+              <a:rPr/>
+              <a:t>How you define your variables - this is probably a part of the introduction that students DON’T think about enough</a:t>
+            </a:r>
+          </a:p>
+          <a:p>
+            <a:pPr lvl="0"/>
+            <a:r>
+              <a:rPr/>
+              <a:t>How you measure or categorise your variables (IVs and DVs) - this is probably the single thing I look at first when peer-reviewing research!</a:t>
+            </a:r>
+          </a:p>
+          <a:p>
+            <a:pPr lvl="0"/>
+            <a:r>
+              <a:rPr/>
+              <a:t>How well your manipulation does what it claims to. Does you manipulation bring the thing it proposed to to life well?</a:t>
+            </a:r>
+          </a:p>
+        </p:txBody>
+      </p:sp>
+    </p:spTree>
+  </p:cSld>
+</p:sld>
+</file>
+
 <file path=ppt/slides/slide3.xml><?xml version="1.0" encoding="utf-8"?>
 <p:sld xmlns:a="http://schemas.openxmlformats.org/drawingml/2006/main" xmlns:r="http://schemas.openxmlformats.org/officeDocument/2006/relationships" xmlns:p="http://schemas.openxmlformats.org/presentationml/2006/main">
   <p:cSld>
@@ -6037,11 +7358,8 @@
             </a:r>
             <a:r>
               <a:rPr/>
-              <a:t>.</a:t>
-            </a:r>
-          </a:p>
-          <a:p>
-            <a:pPr lvl="1"/>
+              <a:t>. </a:t>
+            </a:r>
             <a:r>
               <a:rPr>
                 <a:hlinkClick r:id="rId3"/>
@@ -6050,7 +7368,7 @@
             </a:r>
             <a:r>
               <a:rPr/>
-              <a:t>. It’s well worth a watch, especially if you are interested in ethics and genetics. </a:t>
+              <a:t>. </a:t>
             </a:r>
           </a:p>
           <a:p>
@@ -6065,6 +7383,191 @@
             <a:r>
               <a:rPr/>
               <a:t>Labs - Online (and Offline) Data collection</a:t>
+            </a:r>
+          </a:p>
+        </p:txBody>
+      </p:sp>
+    </p:spTree>
+  </p:cSld>
+</p:sld>
+</file>
+
+<file path=ppt/slides/slide30.xml><?xml version="1.0" encoding="utf-8"?>
+<p:sld xmlns:a="http://schemas.openxmlformats.org/drawingml/2006/main" xmlns:r="http://schemas.openxmlformats.org/officeDocument/2006/relationships" xmlns:p="http://schemas.openxmlformats.org/presentationml/2006/main">
+  <p:cSld>
+    <p:spTree>
+      <p:nvGrpSpPr>
+        <p:cNvPr id="1" name=""/>
+        <p:cNvGrpSpPr/>
+        <p:nvPr/>
+      </p:nvGrpSpPr>
+      <p:grpSpPr>
+        <a:xfrm>
+          <a:off x="0" y="0"/>
+          <a:ext cx="0" cy="0"/>
+          <a:chOff x="0" y="0"/>
+          <a:chExt cx="0" cy="0"/>
+        </a:xfrm>
+      </p:grpSpPr>
+      <p:sp>
+        <p:nvSpPr>
+          <p:cNvPr id="2" name="Title 1">
+            <a:extLst>
+              <a:ext uri="{FF2B5EF4-FFF2-40B4-BE49-F238E27FC236}">
+                <a16:creationId xmlns:a16="http://schemas.microsoft.com/office/drawing/2014/main" id="{FF6A6CB2-D1B6-B94A-84C1-83C65423C650}"/>
+              </a:ext>
+            </a:extLst>
+          </p:cNvPr>
+          <p:cNvSpPr>
+            <a:spLocks noGrp="1"/>
+          </p:cNvSpPr>
+          <p:nvPr>
+            <p:ph type="title"/>
+          </p:nvPr>
+        </p:nvSpPr>
+        <p:spPr>
+          <a:xfrm>
+            <a:off x="831851" y="1709742"/>
+            <a:ext cx="10515600" cy="2852737"/>
+          </a:xfrm>
+          <a:prstGeom prst="rect">
+            <a:avLst/>
+          </a:prstGeom>
+        </p:spPr>
+        <p:txBody>
+          <a:bodyPr/>
+          <a:lstStyle/>
+          <a:p>
+            <a:pPr lvl="0" indent="0" marL="0">
+              <a:buNone/>
+            </a:pPr>
+            <a:r>
+              <a:rPr/>
+              <a:t>Questions?</a:t>
+            </a:r>
+          </a:p>
+        </p:txBody>
+      </p:sp>
+    </p:spTree>
+  </p:cSld>
+</p:sld>
+</file>
+
+<file path=ppt/slides/slide31.xml><?xml version="1.0" encoding="utf-8"?>
+<p:sld xmlns:a="http://schemas.openxmlformats.org/drawingml/2006/main" xmlns:r="http://schemas.openxmlformats.org/officeDocument/2006/relationships" xmlns:p="http://schemas.openxmlformats.org/presentationml/2006/main">
+  <p:cSld>
+    <p:spTree>
+      <p:nvGrpSpPr>
+        <p:cNvPr id="1" name=""/>
+        <p:cNvGrpSpPr/>
+        <p:nvPr/>
+      </p:nvGrpSpPr>
+      <p:grpSpPr>
+        <a:xfrm>
+          <a:off x="0" y="0"/>
+          <a:ext cx="0" cy="0"/>
+          <a:chOff x="0" y="0"/>
+          <a:chExt cx="0" cy="0"/>
+        </a:xfrm>
+      </p:grpSpPr>
+      <p:sp>
+        <p:nvSpPr>
+          <p:cNvPr id="2" name="Title 1">
+            <a:extLst>
+              <a:ext uri="{FF2B5EF4-FFF2-40B4-BE49-F238E27FC236}">
+                <a16:creationId xmlns:a16="http://schemas.microsoft.com/office/drawing/2014/main" id="{DD9B8E45-0772-954C-8D4B-6E6808DFEDED}"/>
+              </a:ext>
+            </a:extLst>
+          </p:cNvPr>
+          <p:cNvSpPr>
+            <a:spLocks noGrp="1"/>
+          </p:cNvSpPr>
+          <p:nvPr>
+            <p:ph type="title"/>
+          </p:nvPr>
+        </p:nvSpPr>
+        <p:spPr>
+          <a:xfrm>
+            <a:off x="838200" y="365129"/>
+            <a:ext cx="10002520" cy="1325563"/>
+          </a:xfrm>
+          <a:prstGeom prst="rect">
+            <a:avLst/>
+          </a:prstGeom>
+        </p:spPr>
+        <p:txBody>
+          <a:bodyPr/>
+          <a:lstStyle/>
+          <a:p>
+            <a:pPr lvl="0" indent="0" marL="0">
+              <a:buNone/>
+            </a:pPr>
+            <a:r>
+              <a:rPr/>
+              <a:t>Lab activities</a:t>
+            </a:r>
+          </a:p>
+        </p:txBody>
+      </p:sp>
+      <p:sp>
+        <p:nvSpPr>
+          <p:cNvPr id="3" name="Content Placeholder 2">
+            <a:extLst>
+              <a:ext uri="{FF2B5EF4-FFF2-40B4-BE49-F238E27FC236}">
+                <a16:creationId xmlns:a16="http://schemas.microsoft.com/office/drawing/2014/main" id="{A4EB24F9-04F1-C843-9D71-56C5C024552B}"/>
+              </a:ext>
+            </a:extLst>
+          </p:cNvPr>
+          <p:cNvSpPr>
+            <a:spLocks noGrp="1"/>
+          </p:cNvSpPr>
+          <p:nvPr>
+            <p:ph idx="1"/>
+          </p:nvPr>
+        </p:nvSpPr>
+        <p:spPr/>
+        <p:txBody>
+          <a:bodyPr/>
+          <a:lstStyle/>
+          <a:p>
+            <a:pPr lvl="0" indent="0" marL="0">
+              <a:buNone/>
+            </a:pPr>
+            <a:r>
+              <a:rPr/>
+              <a:t>Qualtrics (99% of you will use this!)- Full Support in Tomorrow’s labs (5mins)</a:t>
+            </a:r>
+          </a:p>
+          <a:p>
+            <a:pPr lvl="0"/>
+            <a:r>
+              <a:rPr/>
+              <a:t>Log in to an account with your Goldsmiths ID!!</a:t>
+            </a:r>
+          </a:p>
+          <a:p>
+            <a:pPr lvl="0"/>
+            <a:r>
+              <a:rPr/>
+              <a:t>10% of you will apply for the wrong type of account and be stuck for 2 weeks</a:t>
+            </a:r>
+          </a:p>
+          <a:p>
+            <a:pPr lvl="0" indent="0" marL="0">
+              <a:buNone/>
+            </a:pPr>
+            <a:r>
+              <a:rPr/>
+              <a:t>Familiarise yourself with the Ethics Application process (10mins)</a:t>
+            </a:r>
+          </a:p>
+          <a:p>
+            <a:pPr lvl="0" indent="0" marL="0">
+              <a:buNone/>
+            </a:pPr>
+            <a:r>
+              <a:rPr/>
+              <a:t>Consider the steps required to bring your study to life! (the rest)</a:t>
             </a:r>
           </a:p>
         </p:txBody>
@@ -6215,29 +7718,21 @@
       </p:grpSpPr>
       <p:sp>
         <p:nvSpPr>
-          <p:cNvPr id="2" name="Title 1">
-            <a:extLst>
-              <a:ext uri="{FF2B5EF4-FFF2-40B4-BE49-F238E27FC236}">
-                <a16:creationId xmlns:a16="http://schemas.microsoft.com/office/drawing/2014/main" id="{DD9B8E45-0772-954C-8D4B-6E6808DFEDED}"/>
-              </a:ext>
-            </a:extLst>
-          </p:cNvPr>
-          <p:cNvSpPr>
-            <a:spLocks noGrp="1"/>
-          </p:cNvSpPr>
-          <p:nvPr>
-            <p:ph type="title"/>
-          </p:nvPr>
-        </p:nvSpPr>
-        <p:spPr>
-          <a:xfrm>
-            <a:off x="838200" y="365129"/>
-            <a:ext cx="10002520" cy="1325563"/>
-          </a:xfrm>
-          <a:prstGeom prst="rect">
-            <a:avLst/>
-          </a:prstGeom>
-        </p:spPr>
+          <p:cNvPr id="3" name="Content Placeholder 2">
+            <a:extLst>
+              <a:ext uri="{FF2B5EF4-FFF2-40B4-BE49-F238E27FC236}">
+                <a16:creationId xmlns:a16="http://schemas.microsoft.com/office/drawing/2014/main" id="{A4EB24F9-04F1-C843-9D71-56C5C024552B}"/>
+              </a:ext>
+            </a:extLst>
+          </p:cNvPr>
+          <p:cNvSpPr>
+            <a:spLocks noGrp="1"/>
+          </p:cNvSpPr>
+          <p:nvPr>
+            <p:ph idx="1"/>
+          </p:nvPr>
+        </p:nvSpPr>
+        <p:spPr/>
         <p:txBody>
           <a:bodyPr/>
           <a:lstStyle/>
@@ -6247,52 +7742,34 @@
             </a:pPr>
             <a:r>
               <a:rPr/>
-              <a:t>Let’s think about your forthcoming Personality essay</a:t>
-            </a:r>
-          </a:p>
-        </p:txBody>
-      </p:sp>
-      <p:sp>
-        <p:nvSpPr>
-          <p:cNvPr id="3" name="Content Placeholder 2">
-            <a:extLst>
-              <a:ext uri="{FF2B5EF4-FFF2-40B4-BE49-F238E27FC236}">
-                <a16:creationId xmlns:a16="http://schemas.microsoft.com/office/drawing/2014/main" id="{A4EB24F9-04F1-C843-9D71-56C5C024552B}"/>
-              </a:ext>
-            </a:extLst>
-          </p:cNvPr>
-          <p:cNvSpPr>
-            <a:spLocks noGrp="1"/>
-          </p:cNvSpPr>
-          <p:nvPr>
-            <p:ph idx="1"/>
-          </p:nvPr>
-        </p:nvSpPr>
-        <p:spPr/>
-        <p:txBody>
-          <a:bodyPr/>
-          <a:lstStyle/>
+              <a:t>Operationalisation of variables requires a consideration of the reliability and validity of the method of operationalisation.</a:t>
+            </a:r>
+          </a:p>
           <a:p>
             <a:pPr lvl="0" indent="0" marL="0">
               <a:buNone/>
             </a:pPr>
             <a:r>
               <a:rPr/>
-              <a:t>Two key concepts you’ll be thinking about and reading around…</a:t>
-            </a:r>
-          </a:p>
-          <a:p>
-            <a:pPr lvl="0"/>
-            <a:r>
-              <a:rPr/>
-              <a:t>Intelligence</a:t>
-            </a:r>
-          </a:p>
-          <a:p>
-            <a:pPr lvl="0"/>
-            <a:r>
-              <a:rPr/>
-              <a:t>important life outcomes</a:t>
+              <a:t>Operationalisation of variables also requires specification of the scale of measurement: nominal, ordinal, interval, or ratio.</a:t>
+            </a:r>
+          </a:p>
+          <a:p>
+            <a:pPr lvl="0" indent="0" marL="0">
+              <a:buNone/>
+            </a:pPr>
+            <a:r>
+              <a:rPr/>
+              <a:t>Finally, operationalisation of variables can also specify details of the measurement procedure.</a:t>
+            </a:r>
+          </a:p>
+          <a:p>
+            <a:pPr lvl="0" indent="0" marL="0">
+              <a:buNone/>
+            </a:pPr>
+            <a:r>
+              <a:rPr/>
+              <a:t>See Howitt and Cramer Chapter 3.3 (Box Research Example - Condon &amp; Crano 1988)</a:t>
             </a:r>
           </a:p>
         </p:txBody>
@@ -6353,56 +7830,41 @@
             </a:pPr>
             <a:r>
               <a:rPr/>
-              <a:t>Hopefully, you will ask yourself…</a:t>
-            </a:r>
-          </a:p>
-        </p:txBody>
-      </p:sp>
-      <p:sp>
-        <p:nvSpPr>
-          <p:cNvPr id="3" name="Content Placeholder 2">
-            <a:extLst>
-              <a:ext uri="{FF2B5EF4-FFF2-40B4-BE49-F238E27FC236}">
-                <a16:creationId xmlns:a16="http://schemas.microsoft.com/office/drawing/2014/main" id="{A4EB24F9-04F1-C843-9D71-56C5C024552B}"/>
-              </a:ext>
-            </a:extLst>
-          </p:cNvPr>
-          <p:cNvSpPr>
-            <a:spLocks noGrp="1"/>
-          </p:cNvSpPr>
-          <p:nvPr>
-            <p:ph idx="1"/>
-          </p:nvPr>
-        </p:nvSpPr>
-        <p:spPr/>
-        <p:txBody>
-          <a:bodyPr/>
-          <a:lstStyle/>
-          <a:p>
-            <a:pPr lvl="0" indent="0" marL="0">
-              <a:buNone/>
-            </a:pPr>
-            <a:r>
-              <a:rPr/>
-              <a:t>How are these important and very tricky concepts</a:t>
-            </a:r>
-          </a:p>
-          <a:p>
-            <a:pPr lvl="0"/>
-            <a:r>
-              <a:rPr/>
-              <a:t>Defined</a:t>
-            </a:r>
-          </a:p>
-          <a:p>
-            <a:pPr lvl="0"/>
-            <a:r>
-              <a:rPr/>
-              <a:t>Measured</a:t>
-            </a:r>
-          </a:p>
-        </p:txBody>
-      </p:sp>
+              <a:t>Attitude similarity and interpersonal attraction</a:t>
+            </a:r>
+          </a:p>
+        </p:txBody>
+      </p:sp>
+      <p:pic>
+        <p:nvPicPr>
+          <p:cNvPr descr="images/paste-01E3BCC9.png" id="0" name="Picture 1"/>
+          <p:cNvPicPr>
+            <a:picLocks noGrp="1" noChangeAspect="1"/>
+          </p:cNvPicPr>
+          <p:nvPr/>
+        </p:nvPicPr>
+        <p:blipFill>
+          <a:blip r:embed="rId2"/>
+          <a:stretch>
+            <a:fillRect/>
+          </a:stretch>
+        </p:blipFill>
+        <p:spPr bwMode="auto">
+          <a:xfrm>
+            <a:off x="2667000" y="1816100"/>
+            <a:ext cx="6845300" cy="4343400"/>
+          </a:xfrm>
+          <a:prstGeom prst="rect">
+            <a:avLst/>
+          </a:prstGeom>
+          <a:noFill/>
+          <a:ln w="9525">
+            <a:noFill/>
+            <a:headEnd/>
+            <a:tailEnd/>
+          </a:ln>
+        </p:spPr>
+      </p:pic>
     </p:spTree>
   </p:cSld>
 </p:sld>
@@ -6459,7 +7921,7 @@
             </a:pPr>
             <a:r>
               <a:rPr/>
-              <a:t>Of great importance that you reflect on this for your MD too</a:t>
+              <a:t>Their DV (consider pros and cons)</a:t>
             </a:r>
           </a:p>
         </p:txBody>
@@ -6490,22 +7952,7 @@
             </a:pPr>
             <a:r>
               <a:rPr/>
-              <a:t>How have you </a:t>
-            </a:r>
-            <a:r>
-              <a:rPr u="sng"/>
-              <a:t>defined</a:t>
-            </a:r>
-            <a:r>
-              <a:rPr/>
-              <a:t> your variables of interest?</a:t>
-            </a:r>
-          </a:p>
-          <a:p>
-            <a:pPr lvl="0"/>
-            <a:r>
-              <a:rPr/>
-              <a:t>IVs and DVs</a:t>
+              <a:t>This person would like(dislike) me</a:t>
             </a:r>
           </a:p>
           <a:p>
@@ -6514,36 +7961,7 @@
             </a:pPr>
             <a:r>
               <a:rPr/>
-              <a:t>How have you </a:t>
-            </a:r>
-            <a:r>
-              <a:rPr u="sng"/>
-              <a:t>measured or categorised</a:t>
-            </a:r>
-            <a:r>
-              <a:rPr/>
-              <a:t> your variables of interest?</a:t>
-            </a:r>
-          </a:p>
-          <a:p>
-            <a:pPr lvl="0"/>
-            <a:r>
-              <a:rPr/>
-              <a:t>e.g. Social Media use</a:t>
-            </a:r>
-          </a:p>
-          <a:p>
-            <a:pPr lvl="0"/>
-            <a:r>
-              <a:rPr/>
-              <a:t>Gender</a:t>
-            </a:r>
-          </a:p>
-          <a:p>
-            <a:pPr lvl="0"/>
-            <a:r>
-              <a:rPr/>
-              <a:t>Frequency or low/high extraversion</a:t>
+              <a:t>This person would like(dislike) working with me in an experiment</a:t>
             </a:r>
           </a:p>
         </p:txBody>
@@ -6604,42 +8022,41 @@
             </a:pPr>
             <a:r>
               <a:rPr/>
-              <a:t>Dani Navarro</a:t>
-            </a:r>
-          </a:p>
-        </p:txBody>
-      </p:sp>
-      <p:sp>
-        <p:nvSpPr>
-          <p:cNvPr id="3" name="Content Placeholder 2">
-            <a:extLst>
-              <a:ext uri="{FF2B5EF4-FFF2-40B4-BE49-F238E27FC236}">
-                <a16:creationId xmlns:a16="http://schemas.microsoft.com/office/drawing/2014/main" id="{A4EB24F9-04F1-C843-9D71-56C5C024552B}"/>
-              </a:ext>
-            </a:extLst>
-          </p:cNvPr>
-          <p:cNvSpPr>
-            <a:spLocks noGrp="1"/>
-          </p:cNvSpPr>
-          <p:nvPr>
-            <p:ph idx="1"/>
-          </p:nvPr>
-        </p:nvSpPr>
-        <p:spPr/>
-        <p:txBody>
-          <a:bodyPr/>
-          <a:lstStyle/>
-          <a:p>
-            <a:pPr lvl="0" indent="0" marL="0">
-              <a:buNone/>
-            </a:pPr>
-            <a:r>
-              <a:rPr/>
-              <a:t>A legend. Author of Learning Statistics with Jamovi/R</a:t>
-            </a:r>
-          </a:p>
-        </p:txBody>
-      </p:sp>
+              <a:t>The Student Room (question)</a:t>
+            </a:r>
+          </a:p>
+        </p:txBody>
+      </p:sp>
+      <p:pic>
+        <p:nvPicPr>
+          <p:cNvPr descr="images/paste-3C1317D6.png" id="0" name="Picture 1"/>
+          <p:cNvPicPr>
+            <a:picLocks noGrp="1" noChangeAspect="1"/>
+          </p:cNvPicPr>
+          <p:nvPr/>
+        </p:nvPicPr>
+        <p:blipFill>
+          <a:blip r:embed="rId2"/>
+          <a:stretch>
+            <a:fillRect/>
+          </a:stretch>
+        </p:blipFill>
+        <p:spPr bwMode="auto">
+          <a:xfrm>
+            <a:off x="838200" y="1828800"/>
+            <a:ext cx="10515600" cy="4330700"/>
+          </a:xfrm>
+          <a:prstGeom prst="rect">
+            <a:avLst/>
+          </a:prstGeom>
+          <a:noFill/>
+          <a:ln w="9525">
+            <a:noFill/>
+            <a:headEnd/>
+            <a:tailEnd/>
+          </a:ln>
+        </p:spPr>
+      </p:pic>
     </p:spTree>
   </p:cSld>
 </p:sld>
